--- a/record/中期答辩——李龙昊.pptx
+++ b/record/中期答辩——李龙昊.pptx
@@ -5,19 +5,22 @@
     <p:sldMasterId id="2147483648" r:id="rId1"/>
   </p:sldMasterIdLst>
   <p:notesMasterIdLst>
-    <p:notesMasterId r:id="rId9"/>
+    <p:notesMasterId r:id="rId10"/>
   </p:notesMasterIdLst>
   <p:sldIdLst>
     <p:sldId id="270" r:id="rId3"/>
-    <p:sldId id="277" r:id="rId4"/>
-    <p:sldId id="285" r:id="rId5"/>
-    <p:sldId id="284" r:id="rId6"/>
-    <p:sldId id="294" r:id="rId7"/>
-    <p:sldId id="292" r:id="rId8"/>
-    <p:sldId id="286" r:id="rId10"/>
-    <p:sldId id="288" r:id="rId11"/>
-    <p:sldId id="283" r:id="rId12"/>
-    <p:sldId id="282" r:id="rId13"/>
+    <p:sldId id="300" r:id="rId4"/>
+    <p:sldId id="277" r:id="rId5"/>
+    <p:sldId id="285" r:id="rId6"/>
+    <p:sldId id="284" r:id="rId7"/>
+    <p:sldId id="303" r:id="rId8"/>
+    <p:sldId id="304" r:id="rId9"/>
+    <p:sldId id="306" r:id="rId11"/>
+    <p:sldId id="288" r:id="rId12"/>
+    <p:sldId id="301" r:id="rId13"/>
+    <p:sldId id="283" r:id="rId14"/>
+    <p:sldId id="302" r:id="rId15"/>
+    <p:sldId id="282" r:id="rId16"/>
   </p:sldIdLst>
   <p:sldSz cx="12192000" cy="6858000"/>
   <p:notesSz cx="6858000" cy="9144000"/>
@@ -4884,7 +4887,7 @@
       </p:grpSpPr>
       <p:sp>
         <p:nvSpPr>
-          <p:cNvPr id="4" name="标题 3"/>
+          <p:cNvPr id="2" name="标题 1"/>
           <p:cNvSpPr>
             <a:spLocks noGrp="1"/>
           </p:cNvSpPr>
@@ -4899,31 +4902,10 @@
           <a:p>
             <a:pPr algn="ctr"/>
             <a:r>
-              <a:rPr kumimoji="1" lang="zh-CN" altLang="en-US" dirty="0"/>
-              <a:t>谢谢！</a:t>
-            </a:r>
-            <a:endParaRPr kumimoji="1" lang="zh-CN" altLang="en-US" dirty="0"/>
-          </a:p>
-        </p:txBody>
-      </p:sp>
-      <p:sp>
-        <p:nvSpPr>
-          <p:cNvPr id="5" name="副标题 4"/>
-          <p:cNvSpPr>
-            <a:spLocks noGrp="1"/>
-          </p:cNvSpPr>
-          <p:nvPr>
-            <p:ph type="subTitle" idx="1"/>
-          </p:nvPr>
-        </p:nvSpPr>
-        <p:spPr/>
-        <p:txBody>
-          <a:bodyPr>
-            <a:normAutofit/>
-          </a:bodyPr>
-          <a:lstStyle/>
-          <a:p>
-            <a:endParaRPr kumimoji="1" lang="zh-CN" altLang="en-US" dirty="0"/>
+              <a:rPr lang="zh-CN" altLang="en-US" dirty="0"/>
+              <a:t>后续规划</a:t>
+            </a:r>
+            <a:endParaRPr lang="zh-CN" altLang="en-US" dirty="0"/>
           </a:p>
         </p:txBody>
       </p:sp>
@@ -4935,1147 +4917,7 @@
 </p:sld>
 </file>
 
-<file path=ppt/slides/slide2.xml><?xml version="1.0" encoding="utf-8"?>
-<p:sld xmlns:a="http://schemas.openxmlformats.org/drawingml/2006/main" xmlns:r="http://schemas.openxmlformats.org/officeDocument/2006/relationships" xmlns:p="http://schemas.openxmlformats.org/presentationml/2006/main">
-  <p:cSld>
-    <p:spTree>
-      <p:nvGrpSpPr>
-        <p:cNvPr id="1" name=""/>
-        <p:cNvGrpSpPr/>
-        <p:nvPr/>
-      </p:nvGrpSpPr>
-      <p:grpSpPr>
-        <a:xfrm>
-          <a:off x="0" y="0"/>
-          <a:ext cx="0" cy="0"/>
-          <a:chOff x="0" y="0"/>
-          <a:chExt cx="0" cy="0"/>
-        </a:xfrm>
-      </p:grpSpPr>
-      <p:sp>
-        <p:nvSpPr>
-          <p:cNvPr id="2" name="内容占位符 1"/>
-          <p:cNvSpPr>
-            <a:spLocks noGrp="1"/>
-          </p:cNvSpPr>
-          <p:nvPr>
-            <p:ph idx="1"/>
-          </p:nvPr>
-        </p:nvSpPr>
-        <p:spPr/>
-        <p:txBody>
-          <a:bodyPr/>
-          <a:lstStyle/>
-          <a:p>
-            <a:pPr>
-              <a:buFont typeface="Arial" panose="02080604020202020204" pitchFamily="34" charset="0"/>
-              <a:buChar char="•"/>
-            </a:pPr>
-            <a:r>
-              <a:rPr kumimoji="1" lang="zh-CN" altLang="en-US" dirty="0"/>
-              <a:t>用</a:t>
-            </a:r>
-            <a:r>
-              <a:rPr kumimoji="1" lang="en-US" altLang="zh-CN" dirty="0"/>
-              <a:t>rust</a:t>
-            </a:r>
-            <a:r>
-              <a:rPr kumimoji="1" lang="zh-CN" altLang="en-US" dirty="0"/>
-              <a:t>语言重新实现</a:t>
-            </a:r>
-            <a:r>
-              <a:rPr kumimoji="1" lang="en-US" altLang="zh-CN" dirty="0"/>
-              <a:t>sel4,</a:t>
-            </a:r>
-            <a:r>
-              <a:rPr kumimoji="1" lang="zh-CN" altLang="en-US" dirty="0"/>
-              <a:t>最主要功能包括</a:t>
-            </a:r>
-            <a:r>
-              <a:rPr kumimoji="1" lang="en-US" altLang="zh-CN" dirty="0"/>
-              <a:t>capability space</a:t>
-            </a:r>
-            <a:r>
-              <a:rPr kumimoji="1" lang="zh-CN" altLang="en-US" dirty="0"/>
-              <a:t>、虚拟地址空间、进程间通信、中断异常。</a:t>
-            </a:r>
-            <a:endParaRPr kumimoji="1" lang="zh-CN" altLang="en-US" dirty="0"/>
-          </a:p>
-          <a:p>
-            <a:pPr>
-              <a:buFont typeface="Arial" panose="02080604020202020204" pitchFamily="34" charset="0"/>
-              <a:buChar char="•"/>
-            </a:pPr>
-            <a:r>
-              <a:rPr kumimoji="1" lang="zh-CN" altLang="en-US" dirty="0"/>
-              <a:t>让实现的内核通过尽可能多的</a:t>
-            </a:r>
-            <a:r>
-              <a:rPr kumimoji="1" lang="en-US" altLang="zh-CN" dirty="0"/>
-              <a:t>sel4test</a:t>
-            </a:r>
-            <a:r>
-              <a:rPr kumimoji="1" lang="zh-CN" altLang="en-US" dirty="0"/>
-              <a:t>测例</a:t>
-            </a:r>
-            <a:endParaRPr kumimoji="1" lang="zh-CN" altLang="en-US" dirty="0"/>
-          </a:p>
-          <a:p>
-            <a:pPr marL="0" lvl="0" indent="0">
-              <a:buFont typeface="Arial" panose="02080604020202020204" pitchFamily="34" charset="0"/>
-              <a:buNone/>
-            </a:pPr>
-            <a:endParaRPr kumimoji="1" lang="zh-CN" altLang="en-US" dirty="0"/>
-          </a:p>
-        </p:txBody>
-      </p:sp>
-      <p:sp>
-        <p:nvSpPr>
-          <p:cNvPr id="3" name="标题 2"/>
-          <p:cNvSpPr>
-            <a:spLocks noGrp="1"/>
-          </p:cNvSpPr>
-          <p:nvPr>
-            <p:ph type="title"/>
-          </p:nvPr>
-        </p:nvSpPr>
-        <p:spPr/>
-        <p:txBody>
-          <a:bodyPr/>
-          <a:lstStyle/>
-          <a:p>
-            <a:r>
-              <a:rPr kumimoji="1" lang="zh-CN" altLang="en-US" dirty="0"/>
-              <a:t>课题内容</a:t>
-            </a:r>
-            <a:endParaRPr kumimoji="1" lang="zh-CN" altLang="en-US" dirty="0"/>
-          </a:p>
-        </p:txBody>
-      </p:sp>
-    </p:spTree>
-  </p:cSld>
-  <p:clrMapOvr>
-    <a:masterClrMapping/>
-  </p:clrMapOvr>
-</p:sld>
-</file>
-
-<file path=ppt/slides/slide3.xml><?xml version="1.0" encoding="utf-8"?>
-<p:sld xmlns:a="http://schemas.openxmlformats.org/drawingml/2006/main" xmlns:r="http://schemas.openxmlformats.org/officeDocument/2006/relationships" xmlns:p="http://schemas.openxmlformats.org/presentationml/2006/main">
-  <p:cSld>
-    <p:spTree>
-      <p:nvGrpSpPr>
-        <p:cNvPr id="1" name=""/>
-        <p:cNvGrpSpPr/>
-        <p:nvPr/>
-      </p:nvGrpSpPr>
-      <p:grpSpPr>
-        <a:xfrm>
-          <a:off x="0" y="0"/>
-          <a:ext cx="0" cy="0"/>
-          <a:chOff x="0" y="0"/>
-          <a:chExt cx="0" cy="0"/>
-        </a:xfrm>
-      </p:grpSpPr>
-      <p:sp>
-        <p:nvSpPr>
-          <p:cNvPr id="2" name="标题 1"/>
-          <p:cNvSpPr>
-            <a:spLocks noGrp="1"/>
-          </p:cNvSpPr>
-          <p:nvPr>
-            <p:ph type="ctrTitle"/>
-          </p:nvPr>
-        </p:nvSpPr>
-        <p:spPr/>
-        <p:txBody>
-          <a:bodyPr/>
-          <a:lstStyle/>
-          <a:p>
-            <a:pPr algn="ctr"/>
-            <a:r>
-              <a:rPr lang="zh-CN" altLang="en-US" dirty="0"/>
-              <a:t>目前进展</a:t>
-            </a:r>
-            <a:endParaRPr lang="zh-CN" altLang="en-US" dirty="0"/>
-          </a:p>
-        </p:txBody>
-      </p:sp>
-      <p:sp>
-        <p:nvSpPr>
-          <p:cNvPr id="3" name="副标题 2"/>
-          <p:cNvSpPr>
-            <a:spLocks noGrp="1"/>
-          </p:cNvSpPr>
-          <p:nvPr>
-            <p:ph type="subTitle" idx="1"/>
-          </p:nvPr>
-        </p:nvSpPr>
-        <p:spPr/>
-        <p:txBody>
-          <a:bodyPr/>
-          <a:lstStyle/>
-          <a:p>
-            <a:endParaRPr lang="zh-CN" altLang="en-US" dirty="0"/>
-          </a:p>
-        </p:txBody>
-      </p:sp>
-    </p:spTree>
-  </p:cSld>
-  <p:clrMapOvr>
-    <a:masterClrMapping/>
-  </p:clrMapOvr>
-</p:sld>
-</file>
-
-<file path=ppt/slides/slide4.xml><?xml version="1.0" encoding="utf-8"?>
-<p:sld xmlns:a="http://schemas.openxmlformats.org/drawingml/2006/main" xmlns:r="http://schemas.openxmlformats.org/officeDocument/2006/relationships" xmlns:p="http://schemas.openxmlformats.org/presentationml/2006/main">
-  <p:cSld>
-    <p:spTree>
-      <p:nvGrpSpPr>
-        <p:cNvPr id="1" name=""/>
-        <p:cNvGrpSpPr/>
-        <p:nvPr/>
-      </p:nvGrpSpPr>
-      <p:grpSpPr>
-        <a:xfrm>
-          <a:off x="0" y="0"/>
-          <a:ext cx="0" cy="0"/>
-          <a:chOff x="0" y="0"/>
-          <a:chExt cx="0" cy="0"/>
-        </a:xfrm>
-      </p:grpSpPr>
-      <p:sp>
-        <p:nvSpPr>
-          <p:cNvPr id="2" name="内容占位符 1"/>
-          <p:cNvSpPr>
-            <a:spLocks noGrp="1"/>
-          </p:cNvSpPr>
-          <p:nvPr>
-            <p:ph idx="1"/>
-          </p:nvPr>
-        </p:nvSpPr>
-        <p:spPr/>
-        <p:txBody>
-          <a:bodyPr/>
-          <a:lstStyle/>
-          <a:p>
-            <a:pPr>
-              <a:buFont typeface="Arial" panose="02080604020202020204" pitchFamily="34" charset="0"/>
-              <a:buChar char="•"/>
-            </a:pPr>
-            <a:r>
-              <a:rPr kumimoji="1" lang="zh-CN" altLang="en-US" dirty="0"/>
-              <a:t>完成了一个可以正确运行应用程序的内核</a:t>
-            </a:r>
-            <a:endParaRPr kumimoji="1" lang="zh-CN" altLang="en-US" dirty="0"/>
-          </a:p>
-          <a:p>
-            <a:pPr>
-              <a:buFont typeface="Arial" panose="02080604020202020204" pitchFamily="34" charset="0"/>
-              <a:buChar char="•"/>
-            </a:pPr>
-            <a:r>
-              <a:rPr kumimoji="1" lang="zh-CN" altLang="en-US" dirty="0"/>
-              <a:t>实现了</a:t>
-            </a:r>
-            <a:r>
-              <a:rPr kumimoji="1" lang="en-US" altLang="zh-CN" dirty="0"/>
-              <a:t>CSpace</a:t>
-            </a:r>
-            <a:r>
-              <a:rPr kumimoji="1" lang="zh-CN" altLang="en-US" dirty="0"/>
-              <a:t>（</a:t>
-            </a:r>
-            <a:r>
-              <a:rPr kumimoji="1" lang="en-US" altLang="zh-CN" dirty="0"/>
-              <a:t>Capability Space</a:t>
-            </a:r>
-            <a:r>
-              <a:rPr kumimoji="1" lang="zh-CN" altLang="en-US" dirty="0"/>
-              <a:t>）</a:t>
-            </a:r>
-            <a:endParaRPr kumimoji="1" lang="zh-CN" altLang="en-US" dirty="0"/>
-          </a:p>
-          <a:p>
-            <a:pPr>
-              <a:buFont typeface="Arial" panose="02080604020202020204" pitchFamily="34" charset="0"/>
-              <a:buChar char="•"/>
-            </a:pPr>
-            <a:r>
-              <a:rPr kumimoji="1" lang="zh-CN" altLang="en-US" dirty="0"/>
-              <a:t>实现了虚拟地址空间</a:t>
-            </a:r>
-            <a:endParaRPr kumimoji="1" lang="zh-CN" altLang="en-US" dirty="0"/>
-          </a:p>
-          <a:p>
-            <a:pPr>
-              <a:buFont typeface="Arial" panose="02080604020202020204" pitchFamily="34" charset="0"/>
-              <a:buChar char="•"/>
-            </a:pPr>
-            <a:r>
-              <a:rPr kumimoji="1" lang="zh-CN" altLang="en-US" dirty="0"/>
-              <a:t>实现了用于进程间通信的</a:t>
-            </a:r>
-            <a:r>
-              <a:rPr kumimoji="1" lang="en-US" altLang="zh-CN" dirty="0"/>
-              <a:t>endpoint</a:t>
-            </a:r>
-            <a:r>
-              <a:rPr kumimoji="1" lang="zh-CN" altLang="en-US" dirty="0"/>
-              <a:t>和</a:t>
-            </a:r>
-            <a:r>
-              <a:rPr kumimoji="1" lang="en-US" altLang="zh-CN" dirty="0"/>
-              <a:t>notification</a:t>
-            </a:r>
-            <a:endParaRPr kumimoji="1" lang="en-US" altLang="zh-CN" dirty="0"/>
-          </a:p>
-          <a:p>
-            <a:pPr marL="0" indent="0">
-              <a:buFont typeface="Arial" panose="02080604020202020204" pitchFamily="34" charset="0"/>
-              <a:buNone/>
-            </a:pPr>
-            <a:endParaRPr kumimoji="1" lang="zh-CN" altLang="en-US" dirty="0"/>
-          </a:p>
-        </p:txBody>
-      </p:sp>
-      <p:sp>
-        <p:nvSpPr>
-          <p:cNvPr id="3" name="标题 2"/>
-          <p:cNvSpPr>
-            <a:spLocks noGrp="1"/>
-          </p:cNvSpPr>
-          <p:nvPr>
-            <p:ph type="title"/>
-          </p:nvPr>
-        </p:nvSpPr>
-        <p:spPr/>
-        <p:txBody>
-          <a:bodyPr/>
-          <a:lstStyle/>
-          <a:p>
-            <a:r>
-              <a:rPr kumimoji="1" lang="zh-CN" altLang="en-US" dirty="0"/>
-              <a:t>目前进展</a:t>
-            </a:r>
-            <a:endParaRPr kumimoji="1" lang="zh-CN" altLang="en-US" dirty="0"/>
-          </a:p>
-        </p:txBody>
-      </p:sp>
-    </p:spTree>
-  </p:cSld>
-  <p:clrMapOvr>
-    <a:masterClrMapping/>
-  </p:clrMapOvr>
-</p:sld>
-</file>
-
-<file path=ppt/slides/slide5.xml><?xml version="1.0" encoding="utf-8"?>
-<p:sld xmlns:a="http://schemas.openxmlformats.org/drawingml/2006/main" xmlns:r="http://schemas.openxmlformats.org/officeDocument/2006/relationships" xmlns:p="http://schemas.openxmlformats.org/presentationml/2006/main">
-  <p:cSld>
-    <p:spTree>
-      <p:nvGrpSpPr>
-        <p:cNvPr id="1" name=""/>
-        <p:cNvGrpSpPr/>
-        <p:nvPr/>
-      </p:nvGrpSpPr>
-      <p:grpSpPr>
-        <a:xfrm>
-          <a:off x="0" y="0"/>
-          <a:ext cx="0" cy="0"/>
-          <a:chOff x="0" y="0"/>
-          <a:chExt cx="0" cy="0"/>
-        </a:xfrm>
-      </p:grpSpPr>
-      <p:sp>
-        <p:nvSpPr>
-          <p:cNvPr id="3" name="标题 2"/>
-          <p:cNvSpPr>
-            <a:spLocks noGrp="1"/>
-          </p:cNvSpPr>
-          <p:nvPr>
-            <p:ph type="title"/>
-          </p:nvPr>
-        </p:nvSpPr>
-        <p:spPr/>
-        <p:txBody>
-          <a:bodyPr/>
-          <a:lstStyle/>
-          <a:p>
-            <a:r>
-              <a:rPr kumimoji="1" lang="zh-CN" altLang="x-none" dirty="0"/>
-              <a:t>一个可以正常运行的内核</a:t>
-            </a:r>
-            <a:endParaRPr kumimoji="1" lang="zh-CN" altLang="x-none" dirty="0"/>
-          </a:p>
-        </p:txBody>
-      </p:sp>
-      <p:sp>
-        <p:nvSpPr>
-          <p:cNvPr id="5" name="Content Placeholder 4"/>
-          <p:cNvSpPr/>
-          <p:nvPr>
-            <p:ph idx="1"/>
-          </p:nvPr>
-        </p:nvSpPr>
-        <p:spPr>
-          <a:xfrm>
-            <a:off x="835025" y="2174240"/>
-            <a:ext cx="5438775" cy="3678555"/>
-          </a:xfrm>
-        </p:spPr>
-        <p:txBody>
-          <a:bodyPr/>
-          <a:p>
-            <a:pPr>
-              <a:buFont typeface="Arial" panose="02080604020202020204" pitchFamily="34" charset="0"/>
-              <a:buChar char="•"/>
-            </a:pPr>
-            <a:r>
-              <a:rPr lang="zh-CN" altLang="en-US"/>
-              <a:t>调度：采用时间片轮转算法，当前域的线程时间片用尽后会调到下一个域选择优先级最高的线程继续执行。</a:t>
-            </a:r>
-            <a:endParaRPr lang="zh-CN" altLang="en-US"/>
-          </a:p>
-          <a:p>
-            <a:pPr>
-              <a:buFont typeface="Arial" panose="02080604020202020204" pitchFamily="34" charset="0"/>
-              <a:buChar char="•"/>
-            </a:pPr>
-            <a:r>
-              <a:rPr lang="zh-CN" altLang="en-US"/>
-              <a:t>中断异常：</a:t>
-            </a:r>
-            <a:r>
-              <a:rPr lang="en-US" altLang="zh-CN"/>
-              <a:t>trap</a:t>
-            </a:r>
-            <a:r>
-              <a:rPr lang="zh-CN" altLang="en-US"/>
-              <a:t>上下文中保存了</a:t>
-            </a:r>
-            <a:r>
-              <a:rPr lang="en-US" altLang="zh-CN"/>
-              <a:t>32</a:t>
-            </a:r>
-            <a:r>
-              <a:rPr lang="zh-CN" altLang="en-US"/>
-              <a:t>个通用寄存器以及</a:t>
-            </a:r>
-            <a:r>
-              <a:rPr lang="en-US" altLang="zh-CN"/>
-              <a:t>sstatus</a:t>
-            </a:r>
-            <a:r>
-              <a:rPr lang="zh-CN" altLang="en-US"/>
-              <a:t>、</a:t>
-            </a:r>
-            <a:r>
-              <a:rPr lang="en-US" altLang="zh-CN"/>
-              <a:t>sepc</a:t>
-            </a:r>
-            <a:r>
-              <a:rPr lang="zh-CN" altLang="en-US"/>
-              <a:t>、</a:t>
-            </a:r>
-            <a:r>
-              <a:rPr lang="en-US" altLang="zh-CN"/>
-              <a:t>scause</a:t>
-            </a:r>
-            <a:r>
-              <a:rPr lang="zh-CN" altLang="en-US"/>
-              <a:t>的值。将</a:t>
-            </a:r>
-            <a:r>
-              <a:rPr lang="en-US" altLang="zh-CN"/>
-              <a:t>trap</a:t>
-            </a:r>
-            <a:r>
-              <a:rPr lang="zh-CN" altLang="en-US"/>
-              <a:t>上下文的值记在</a:t>
-            </a:r>
-            <a:r>
-              <a:rPr lang="en-US" altLang="zh-CN"/>
-              <a:t>sscratch</a:t>
-            </a:r>
-            <a:r>
-              <a:rPr lang="zh-CN" altLang="en-US"/>
-              <a:t>寄存器中。当进入</a:t>
-            </a:r>
-            <a:r>
-              <a:rPr lang="en-US" altLang="zh-CN"/>
-              <a:t>trap</a:t>
-            </a:r>
-            <a:r>
-              <a:rPr lang="zh-CN" altLang="en-US"/>
-              <a:t>处理时，交换</a:t>
-            </a:r>
-            <a:r>
-              <a:rPr lang="en-US" altLang="zh-CN"/>
-              <a:t>sscratch</a:t>
-            </a:r>
-            <a:r>
-              <a:rPr lang="zh-CN" altLang="en-US"/>
-              <a:t>与</a:t>
-            </a:r>
-            <a:r>
-              <a:rPr lang="en-US" altLang="zh-CN"/>
-              <a:t>t0</a:t>
-            </a:r>
-            <a:r>
-              <a:rPr lang="zh-CN" altLang="en-US"/>
-              <a:t>寄存器的值，将程序运行环境保存进</a:t>
-            </a:r>
-            <a:r>
-              <a:rPr lang="en-US" altLang="zh-CN"/>
-              <a:t>trap</a:t>
-            </a:r>
-            <a:r>
-              <a:rPr lang="zh-CN" altLang="en-US"/>
-              <a:t>上下文。</a:t>
-            </a:r>
-            <a:endParaRPr lang="zh-CN" altLang="en-US"/>
-          </a:p>
-          <a:p>
-            <a:pPr>
-              <a:buFont typeface="Arial" panose="02080604020202020204" pitchFamily="34" charset="0"/>
-              <a:buChar char="•"/>
-            </a:pPr>
-            <a:r>
-              <a:rPr lang="zh-CN" altLang="en-US"/>
-              <a:t>支持简单的系统调用：</a:t>
-            </a:r>
-            <a:r>
-              <a:rPr lang="en-US" altLang="zh-CN"/>
-              <a:t>yield exit write </a:t>
-            </a:r>
-            <a:r>
-              <a:rPr lang="zh-CN" altLang="en-US"/>
-              <a:t>等。</a:t>
-            </a:r>
-            <a:endParaRPr lang="zh-CN" altLang="en-US"/>
-          </a:p>
-        </p:txBody>
-      </p:sp>
-      <p:pic>
-        <p:nvPicPr>
-          <p:cNvPr id="2" name="Picture 1"/>
-          <p:cNvPicPr>
-            <a:picLocks noChangeAspect="1"/>
-          </p:cNvPicPr>
-          <p:nvPr/>
-        </p:nvPicPr>
-        <p:blipFill>
-          <a:blip r:embed="rId1"/>
-          <a:stretch>
-            <a:fillRect/>
-          </a:stretch>
-        </p:blipFill>
-        <p:spPr>
-          <a:xfrm>
-            <a:off x="6626860" y="1398905"/>
-            <a:ext cx="2544445" cy="1908810"/>
-          </a:xfrm>
-          <a:prstGeom prst="rect">
-            <a:avLst/>
-          </a:prstGeom>
-        </p:spPr>
-      </p:pic>
-      <p:pic>
-        <p:nvPicPr>
-          <p:cNvPr id="4" name="Picture 3"/>
-          <p:cNvPicPr>
-            <a:picLocks noChangeAspect="1"/>
-          </p:cNvPicPr>
-          <p:nvPr/>
-        </p:nvPicPr>
-        <p:blipFill>
-          <a:blip r:embed="rId2"/>
-          <a:stretch>
-            <a:fillRect/>
-          </a:stretch>
-        </p:blipFill>
-        <p:spPr>
-          <a:xfrm>
-            <a:off x="6626860" y="3719830"/>
-            <a:ext cx="2573020" cy="2324100"/>
-          </a:xfrm>
-          <a:prstGeom prst="rect">
-            <a:avLst/>
-          </a:prstGeom>
-        </p:spPr>
-      </p:pic>
-      <p:pic>
-        <p:nvPicPr>
-          <p:cNvPr id="6" name="Picture 5" descr="微信图片_20230411194358"/>
-          <p:cNvPicPr>
-            <a:picLocks noChangeAspect="1"/>
-          </p:cNvPicPr>
-          <p:nvPr/>
-        </p:nvPicPr>
-        <p:blipFill>
-          <a:blip r:embed="rId3"/>
-          <a:stretch>
-            <a:fillRect/>
-          </a:stretch>
-        </p:blipFill>
-        <p:spPr>
-          <a:xfrm>
-            <a:off x="9944735" y="3561080"/>
-            <a:ext cx="1822450" cy="2482850"/>
-          </a:xfrm>
-          <a:prstGeom prst="rect">
-            <a:avLst/>
-          </a:prstGeom>
-        </p:spPr>
-      </p:pic>
-    </p:spTree>
-  </p:cSld>
-  <p:clrMapOvr>
-    <a:masterClrMapping/>
-  </p:clrMapOvr>
-</p:sld>
-</file>
-
-<file path=ppt/slides/slide6.xml><?xml version="1.0" encoding="utf-8"?>
-<p:sld xmlns:a="http://schemas.openxmlformats.org/drawingml/2006/main" xmlns:r="http://schemas.openxmlformats.org/officeDocument/2006/relationships" xmlns:p="http://schemas.openxmlformats.org/presentationml/2006/main">
-  <p:cSld>
-    <p:spTree>
-      <p:nvGrpSpPr>
-        <p:cNvPr id="1" name=""/>
-        <p:cNvGrpSpPr/>
-        <p:nvPr/>
-      </p:nvGrpSpPr>
-      <p:grpSpPr>
-        <a:xfrm>
-          <a:off x="0" y="0"/>
-          <a:ext cx="0" cy="0"/>
-          <a:chOff x="0" y="0"/>
-          <a:chExt cx="0" cy="0"/>
-        </a:xfrm>
-      </p:grpSpPr>
-      <p:sp>
-        <p:nvSpPr>
-          <p:cNvPr id="3" name="标题 2"/>
-          <p:cNvSpPr>
-            <a:spLocks noGrp="1"/>
-          </p:cNvSpPr>
-          <p:nvPr>
-            <p:ph type="title"/>
-          </p:nvPr>
-        </p:nvSpPr>
-        <p:spPr/>
-        <p:txBody>
-          <a:bodyPr/>
-          <a:lstStyle/>
-          <a:p>
-            <a:r>
-              <a:rPr kumimoji="1" lang="x-none" altLang="zh-CN" dirty="0"/>
-              <a:t>CAPABILITY SPACE</a:t>
-            </a:r>
-            <a:endParaRPr kumimoji="1" lang="x-none" altLang="zh-CN" dirty="0"/>
-          </a:p>
-        </p:txBody>
-      </p:sp>
-      <p:sp>
-        <p:nvSpPr>
-          <p:cNvPr id="2" name="Content Placeholder 1"/>
-          <p:cNvSpPr/>
-          <p:nvPr>
-            <p:ph idx="1"/>
-          </p:nvPr>
-        </p:nvSpPr>
-        <p:spPr>
-          <a:xfrm>
-            <a:off x="833120" y="2180590"/>
-            <a:ext cx="5153660" cy="3678555"/>
-          </a:xfrm>
-        </p:spPr>
-        <p:txBody>
-          <a:bodyPr/>
-          <a:p>
-            <a:pPr>
-              <a:buFont typeface="Arial" panose="02080604020202020204" pitchFamily="34" charset="0"/>
-              <a:buChar char="•"/>
-            </a:pPr>
-            <a:r>
-              <a:rPr lang="en-US" altLang="zh-CN"/>
-              <a:t>Capbility Space</a:t>
-            </a:r>
-            <a:r>
-              <a:rPr lang="zh-CN" altLang="en-US"/>
-              <a:t>由一个或多个</a:t>
-            </a:r>
-            <a:r>
-              <a:rPr lang="en-US" altLang="zh-CN"/>
-              <a:t>cnode</a:t>
-            </a:r>
-            <a:r>
-              <a:rPr lang="zh-CN" altLang="en-US"/>
-              <a:t>组成，而</a:t>
-            </a:r>
-            <a:r>
-              <a:rPr lang="en-US" altLang="zh-CN"/>
-              <a:t>cnode</a:t>
-            </a:r>
-            <a:r>
-              <a:rPr lang="zh-CN" altLang="en-US"/>
-              <a:t>为</a:t>
-            </a:r>
-            <a:r>
-              <a:rPr lang="en-US" altLang="zh-CN"/>
-              <a:t>cte</a:t>
-            </a:r>
-            <a:r>
-              <a:rPr lang="zh-CN" altLang="en-US"/>
-              <a:t>的数组，整个</a:t>
-            </a:r>
-            <a:r>
-              <a:rPr lang="en-US" altLang="zh-CN"/>
-              <a:t>cspace</a:t>
-            </a:r>
-            <a:r>
-              <a:rPr lang="zh-CN" altLang="en-US"/>
-              <a:t>函数可以分为三类：</a:t>
-            </a:r>
-            <a:endParaRPr lang="zh-CN" altLang="en-US"/>
-          </a:p>
-          <a:p>
-            <a:pPr lvl="1">
-              <a:buFont typeface="Arial" panose="02080604020202020204" pitchFamily="34" charset="0"/>
-              <a:buChar char="•"/>
-            </a:pPr>
-            <a:r>
-              <a:rPr lang="zh-CN" altLang="en-US"/>
-              <a:t>读取、修改</a:t>
-            </a:r>
-            <a:r>
-              <a:rPr lang="en-US" altLang="zh-CN"/>
-              <a:t>capability</a:t>
-            </a:r>
-            <a:r>
-              <a:rPr lang="zh-CN" altLang="en-US"/>
-              <a:t>的接口</a:t>
-            </a:r>
-            <a:endParaRPr lang="zh-CN" altLang="en-US"/>
-          </a:p>
-          <a:p>
-            <a:pPr lvl="1">
-              <a:buFont typeface="Arial" panose="02080604020202020204" pitchFamily="34" charset="0"/>
-              <a:buChar char="•"/>
-            </a:pPr>
-            <a:r>
-              <a:rPr lang="zh-CN" altLang="en-US"/>
-              <a:t>管理派生关系，维护双向链表</a:t>
-            </a:r>
-            <a:endParaRPr lang="en-US" altLang="zh-CN"/>
-          </a:p>
-          <a:p>
-            <a:pPr lvl="1">
-              <a:buFont typeface="Arial" panose="02080604020202020204" pitchFamily="34" charset="0"/>
-              <a:buChar char="•"/>
-            </a:pPr>
-            <a:r>
-              <a:rPr lang="zh-CN" altLang="en-US"/>
-              <a:t>根据指针在</a:t>
-            </a:r>
-            <a:r>
-              <a:rPr lang="en-US" altLang="zh-CN"/>
-              <a:t>CSpace</a:t>
-            </a:r>
-            <a:r>
-              <a:rPr lang="zh-CN" altLang="en-US"/>
-              <a:t>中查找对应的</a:t>
-            </a:r>
-            <a:r>
-              <a:rPr lang="en-US" altLang="zh-CN"/>
-              <a:t>capability</a:t>
-            </a:r>
-            <a:endParaRPr lang="en-US" altLang="zh-CN"/>
-          </a:p>
-          <a:p>
-            <a:pPr marL="0" indent="0">
-              <a:buFont typeface="Arial" panose="02080604020202020204" pitchFamily="34" charset="0"/>
-              <a:buNone/>
-            </a:pPr>
-            <a:endParaRPr lang="zh-CN" altLang="en-US"/>
-          </a:p>
-          <a:p>
-            <a:pPr>
-              <a:buFont typeface="Arial" panose="02080604020202020204" pitchFamily="34" charset="0"/>
-              <a:buChar char="•"/>
-            </a:pPr>
-            <a:endParaRPr lang="zh-CN" altLang="en-US"/>
-          </a:p>
-          <a:p>
-            <a:pPr>
-              <a:buFont typeface="Arial" panose="02080604020202020204" pitchFamily="34" charset="0"/>
-              <a:buChar char="•"/>
-            </a:pPr>
-            <a:endParaRPr lang="zh-CN" altLang="en-US"/>
-          </a:p>
-          <a:p>
-            <a:pPr>
-              <a:buFont typeface="Arial" panose="02080604020202020204" pitchFamily="34" charset="0"/>
-              <a:buChar char="•"/>
-            </a:pPr>
-            <a:endParaRPr lang="zh-CN" altLang="en-US"/>
-          </a:p>
-          <a:p>
-            <a:pPr>
-              <a:buFont typeface="Arial" panose="02080604020202020204" pitchFamily="34" charset="0"/>
-              <a:buChar char="•"/>
-            </a:pPr>
-            <a:endParaRPr lang="zh-CN" altLang="en-US"/>
-          </a:p>
-        </p:txBody>
-      </p:sp>
-      <p:pic>
-        <p:nvPicPr>
-          <p:cNvPr id="8" name="Picture 7"/>
-          <p:cNvPicPr>
-            <a:picLocks noChangeAspect="1"/>
-          </p:cNvPicPr>
-          <p:nvPr/>
-        </p:nvPicPr>
-        <p:blipFill>
-          <a:blip r:embed="rId1"/>
-          <a:stretch>
-            <a:fillRect/>
-          </a:stretch>
-        </p:blipFill>
-        <p:spPr>
-          <a:xfrm>
-            <a:off x="6360160" y="1014730"/>
-            <a:ext cx="3314700" cy="1165860"/>
-          </a:xfrm>
-          <a:prstGeom prst="rect">
-            <a:avLst/>
-          </a:prstGeom>
-        </p:spPr>
-      </p:pic>
-      <p:pic>
-        <p:nvPicPr>
-          <p:cNvPr id="9" name="Picture 8"/>
-          <p:cNvPicPr>
-            <a:picLocks noChangeAspect="1"/>
-          </p:cNvPicPr>
-          <p:nvPr/>
-        </p:nvPicPr>
-        <p:blipFill>
-          <a:blip r:embed="rId2"/>
-          <a:stretch>
-            <a:fillRect/>
-          </a:stretch>
-        </p:blipFill>
-        <p:spPr>
-          <a:xfrm>
-            <a:off x="833120" y="4362450"/>
-            <a:ext cx="4053840" cy="1337310"/>
-          </a:xfrm>
-          <a:prstGeom prst="rect">
-            <a:avLst/>
-          </a:prstGeom>
-        </p:spPr>
-      </p:pic>
-      <p:pic>
-        <p:nvPicPr>
-          <p:cNvPr id="10" name="Picture 9"/>
-          <p:cNvPicPr>
-            <a:picLocks noChangeAspect="1"/>
-          </p:cNvPicPr>
-          <p:nvPr/>
-        </p:nvPicPr>
-        <p:blipFill>
-          <a:blip r:embed="rId3"/>
-          <a:stretch>
-            <a:fillRect/>
-          </a:stretch>
-        </p:blipFill>
-        <p:spPr>
-          <a:xfrm>
-            <a:off x="6360160" y="2487930"/>
-            <a:ext cx="4704715" cy="1339215"/>
-          </a:xfrm>
-          <a:prstGeom prst="rect">
-            <a:avLst/>
-          </a:prstGeom>
-        </p:spPr>
-      </p:pic>
-      <p:pic>
-        <p:nvPicPr>
-          <p:cNvPr id="4" name="Picture 3"/>
-          <p:cNvPicPr>
-            <a:picLocks noChangeAspect="1"/>
-          </p:cNvPicPr>
-          <p:nvPr/>
-        </p:nvPicPr>
-        <p:blipFill>
-          <a:blip r:embed="rId4"/>
-          <a:stretch>
-            <a:fillRect/>
-          </a:stretch>
-        </p:blipFill>
-        <p:spPr>
-          <a:xfrm>
-            <a:off x="6360160" y="3895090"/>
-            <a:ext cx="4996815" cy="2272030"/>
-          </a:xfrm>
-          <a:prstGeom prst="rect">
-            <a:avLst/>
-          </a:prstGeom>
-        </p:spPr>
-      </p:pic>
-    </p:spTree>
-  </p:cSld>
-  <p:clrMapOvr>
-    <a:masterClrMapping/>
-  </p:clrMapOvr>
-</p:sld>
-</file>
-
-<file path=ppt/slides/slide7.xml><?xml version="1.0" encoding="utf-8"?>
-<p:sld xmlns:a="http://schemas.openxmlformats.org/drawingml/2006/main" xmlns:r="http://schemas.openxmlformats.org/officeDocument/2006/relationships" xmlns:p="http://schemas.openxmlformats.org/presentationml/2006/main">
-  <p:cSld>
-    <p:spTree>
-      <p:nvGrpSpPr>
-        <p:cNvPr id="1" name=""/>
-        <p:cNvGrpSpPr/>
-        <p:nvPr/>
-      </p:nvGrpSpPr>
-      <p:grpSpPr>
-        <a:xfrm>
-          <a:off x="0" y="0"/>
-          <a:ext cx="0" cy="0"/>
-          <a:chOff x="0" y="0"/>
-          <a:chExt cx="0" cy="0"/>
-        </a:xfrm>
-      </p:grpSpPr>
-      <p:sp>
-        <p:nvSpPr>
-          <p:cNvPr id="2" name="内容占位符 1"/>
-          <p:cNvSpPr>
-            <a:spLocks noGrp="1"/>
-          </p:cNvSpPr>
-          <p:nvPr>
-            <p:ph idx="1"/>
-          </p:nvPr>
-        </p:nvSpPr>
-        <p:spPr>
-          <a:xfrm>
-            <a:off x="835025" y="1711960"/>
-            <a:ext cx="4431665" cy="3678555"/>
-          </a:xfrm>
-        </p:spPr>
-        <p:txBody>
-          <a:bodyPr/>
-          <a:lstStyle/>
-          <a:p>
-            <a:pPr>
-              <a:buFont typeface="Arial" panose="02080604020202020204" pitchFamily="34" charset="0"/>
-              <a:buChar char="•"/>
-            </a:pPr>
-            <a:r>
-              <a:rPr kumimoji="1" lang="zh-CN" altLang="en-US" dirty="0"/>
-              <a:t>物理地址与虚拟地址切换问题</a:t>
-            </a:r>
-            <a:endParaRPr kumimoji="1" lang="zh-CN" altLang="en-US" dirty="0"/>
-          </a:p>
-        </p:txBody>
-      </p:sp>
-      <p:sp>
-        <p:nvSpPr>
-          <p:cNvPr id="3" name="标题 2"/>
-          <p:cNvSpPr>
-            <a:spLocks noGrp="1"/>
-          </p:cNvSpPr>
-          <p:nvPr>
-            <p:ph type="title"/>
-          </p:nvPr>
-        </p:nvSpPr>
-        <p:spPr/>
-        <p:txBody>
-          <a:bodyPr/>
-          <a:lstStyle/>
-          <a:p>
-            <a:r>
-              <a:rPr kumimoji="1" lang="zh-CN" altLang="en-US" dirty="0"/>
-              <a:t>虚拟地址空间</a:t>
-            </a:r>
-            <a:endParaRPr kumimoji="1" lang="zh-CN" altLang="en-US" dirty="0"/>
-          </a:p>
-        </p:txBody>
-      </p:sp>
-      <p:pic>
-        <p:nvPicPr>
-          <p:cNvPr id="5" name="Picture 4"/>
-          <p:cNvPicPr>
-            <a:picLocks noChangeAspect="1"/>
-          </p:cNvPicPr>
-          <p:nvPr/>
-        </p:nvPicPr>
-        <p:blipFill>
-          <a:blip r:embed="rId1"/>
-          <a:stretch>
-            <a:fillRect/>
-          </a:stretch>
-        </p:blipFill>
-        <p:spPr>
-          <a:xfrm>
-            <a:off x="975995" y="2510790"/>
-            <a:ext cx="4959985" cy="3248025"/>
-          </a:xfrm>
-          <a:prstGeom prst="rect">
-            <a:avLst/>
-          </a:prstGeom>
-        </p:spPr>
-      </p:pic>
-      <p:pic>
-        <p:nvPicPr>
-          <p:cNvPr id="6" name="Picture 5"/>
-          <p:cNvPicPr>
-            <a:picLocks noChangeAspect="1"/>
-          </p:cNvPicPr>
-          <p:nvPr/>
-        </p:nvPicPr>
-        <p:blipFill>
-          <a:blip r:embed="rId2"/>
-          <a:stretch>
-            <a:fillRect/>
-          </a:stretch>
-        </p:blipFill>
-        <p:spPr>
-          <a:xfrm>
-            <a:off x="7337425" y="956310"/>
-            <a:ext cx="3739515" cy="4719955"/>
-          </a:xfrm>
-          <a:prstGeom prst="rect">
-            <a:avLst/>
-          </a:prstGeom>
-        </p:spPr>
-      </p:pic>
-    </p:spTree>
-  </p:cSld>
-  <p:clrMapOvr>
-    <a:masterClrMapping/>
-  </p:clrMapOvr>
-</p:sld>
-</file>
-
-<file path=ppt/slides/slide8.xml><?xml version="1.0" encoding="utf-8"?>
-<p:sld xmlns:a="http://schemas.openxmlformats.org/drawingml/2006/main" xmlns:r="http://schemas.openxmlformats.org/officeDocument/2006/relationships" xmlns:p="http://schemas.openxmlformats.org/presentationml/2006/main">
-  <p:cSld>
-    <p:spTree>
-      <p:nvGrpSpPr>
-        <p:cNvPr id="1" name=""/>
-        <p:cNvGrpSpPr/>
-        <p:nvPr/>
-      </p:nvGrpSpPr>
-      <p:grpSpPr>
-        <a:xfrm>
-          <a:off x="0" y="0"/>
-          <a:ext cx="0" cy="0"/>
-          <a:chOff x="0" y="0"/>
-          <a:chExt cx="0" cy="0"/>
-        </a:xfrm>
-      </p:grpSpPr>
-      <p:sp>
-        <p:nvSpPr>
-          <p:cNvPr id="2" name="内容占位符 1"/>
-          <p:cNvSpPr>
-            <a:spLocks noGrp="1"/>
-          </p:cNvSpPr>
-          <p:nvPr>
-            <p:ph idx="1"/>
-          </p:nvPr>
-        </p:nvSpPr>
-        <p:spPr>
-          <a:xfrm>
-            <a:off x="833120" y="2180590"/>
-            <a:ext cx="9096375" cy="3678555"/>
-          </a:xfrm>
-        </p:spPr>
-        <p:txBody>
-          <a:bodyPr/>
-          <a:lstStyle/>
-          <a:p>
-            <a:pPr>
-              <a:buFont typeface="Arial" panose="02080604020202020204" pitchFamily="34" charset="0"/>
-              <a:buChar char="•"/>
-            </a:pPr>
-            <a:r>
-              <a:rPr kumimoji="1" lang="zh-CN" altLang="en-US" dirty="0"/>
-              <a:t>主要通过</a:t>
-            </a:r>
-            <a:r>
-              <a:rPr kumimoji="1" lang="en-US" altLang="zh-CN" dirty="0"/>
-              <a:t>endpoint</a:t>
-            </a:r>
-            <a:r>
-              <a:rPr kumimoji="1" lang="zh-CN" altLang="en-US" dirty="0"/>
-              <a:t>来进行信息的传递，可以传递信息或能力。</a:t>
-            </a:r>
-            <a:endParaRPr kumimoji="1" lang="zh-CN" altLang="en-US" dirty="0"/>
-          </a:p>
-        </p:txBody>
-      </p:sp>
-      <p:sp>
-        <p:nvSpPr>
-          <p:cNvPr id="3" name="标题 2"/>
-          <p:cNvSpPr>
-            <a:spLocks noGrp="1"/>
-          </p:cNvSpPr>
-          <p:nvPr>
-            <p:ph type="title"/>
-          </p:nvPr>
-        </p:nvSpPr>
-        <p:spPr/>
-        <p:txBody>
-          <a:bodyPr/>
-          <a:lstStyle/>
-          <a:p>
-            <a:r>
-              <a:rPr kumimoji="1" lang="zh-CN" altLang="en-US" dirty="0"/>
-              <a:t>进程间通信</a:t>
-            </a:r>
-            <a:endParaRPr kumimoji="1" lang="zh-CN" altLang="en-US" dirty="0"/>
-          </a:p>
-        </p:txBody>
-      </p:sp>
-      <p:pic>
-        <p:nvPicPr>
-          <p:cNvPr id="4" name="Picture 3" descr="demo.drawio"/>
-          <p:cNvPicPr>
-            <a:picLocks noChangeAspect="1"/>
-          </p:cNvPicPr>
-          <p:nvPr/>
-        </p:nvPicPr>
-        <p:blipFill>
-          <a:blip r:embed="rId1"/>
-          <a:stretch>
-            <a:fillRect/>
-          </a:stretch>
-        </p:blipFill>
-        <p:spPr>
-          <a:xfrm>
-            <a:off x="7545705" y="1035685"/>
-            <a:ext cx="4019550" cy="4448175"/>
-          </a:xfrm>
-          <a:prstGeom prst="rect">
-            <a:avLst/>
-          </a:prstGeom>
-        </p:spPr>
-      </p:pic>
-    </p:spTree>
-  </p:cSld>
-  <p:clrMapOvr>
-    <a:masterClrMapping/>
-  </p:clrMapOvr>
-</p:sld>
-</file>
-
-<file path=ppt/slides/slide9.xml><?xml version="1.0" encoding="utf-8"?>
+<file path=ppt/slides/slide11.xml><?xml version="1.0" encoding="utf-8"?>
 <p:sld xmlns:a="http://schemas.openxmlformats.org/drawingml/2006/main" xmlns:r="http://schemas.openxmlformats.org/officeDocument/2006/relationships" xmlns:p="http://schemas.openxmlformats.org/presentationml/2006/main">
   <p:cSld>
     <p:spTree>
@@ -6218,6 +5060,1449 @@
           <a:xfrm>
             <a:off x="6339840" y="2693670"/>
             <a:ext cx="3631565" cy="3582035"/>
+          </a:xfrm>
+          <a:prstGeom prst="rect">
+            <a:avLst/>
+          </a:prstGeom>
+        </p:spPr>
+      </p:pic>
+    </p:spTree>
+  </p:cSld>
+  <p:clrMapOvr>
+    <a:masterClrMapping/>
+  </p:clrMapOvr>
+</p:sld>
+</file>
+
+<file path=ppt/slides/slide12.xml><?xml version="1.0" encoding="utf-8"?>
+<p:sld xmlns:a="http://schemas.openxmlformats.org/drawingml/2006/main" xmlns:r="http://schemas.openxmlformats.org/officeDocument/2006/relationships" xmlns:p="http://schemas.openxmlformats.org/presentationml/2006/main">
+  <p:cSld>
+    <p:spTree>
+      <p:nvGrpSpPr>
+        <p:cNvPr id="1" name=""/>
+        <p:cNvGrpSpPr/>
+        <p:nvPr/>
+      </p:nvGrpSpPr>
+      <p:grpSpPr>
+        <a:xfrm>
+          <a:off x="0" y="0"/>
+          <a:ext cx="0" cy="0"/>
+          <a:chOff x="0" y="0"/>
+          <a:chExt cx="0" cy="0"/>
+        </a:xfrm>
+      </p:grpSpPr>
+      <p:sp>
+        <p:nvSpPr>
+          <p:cNvPr id="2" name="内容占位符 1"/>
+          <p:cNvSpPr>
+            <a:spLocks noGrp="1"/>
+          </p:cNvSpPr>
+          <p:nvPr>
+            <p:ph idx="1"/>
+          </p:nvPr>
+        </p:nvSpPr>
+        <p:spPr>
+          <a:xfrm>
+            <a:off x="835307" y="2048614"/>
+            <a:ext cx="10521387" cy="3678303"/>
+          </a:xfrm>
+        </p:spPr>
+        <p:txBody>
+          <a:bodyPr>
+            <a:normAutofit/>
+          </a:bodyPr>
+          <a:lstStyle/>
+          <a:p>
+            <a:r>
+              <a:rPr kumimoji="1" lang="zh-CN" altLang="en-US" dirty="0"/>
+              <a:t>中期</a:t>
+            </a:r>
+            <a:r>
+              <a:rPr kumimoji="1" lang="en-US" altLang="zh-CN" dirty="0"/>
+              <a:t>——9</a:t>
+            </a:r>
+            <a:r>
+              <a:rPr kumimoji="1" lang="zh-CN" altLang="en-US" dirty="0"/>
+              <a:t>周</a:t>
+            </a:r>
+            <a:endParaRPr kumimoji="1" lang="en-US" altLang="zh-CN" dirty="0"/>
+          </a:p>
+          <a:p>
+            <a:pPr lvl="1"/>
+            <a:r>
+              <a:rPr kumimoji="1" lang="zh-CN" altLang="en-US" dirty="0"/>
+              <a:t>更改启动方式，添加系统调用</a:t>
+            </a:r>
+            <a:endParaRPr kumimoji="1" lang="en-US" altLang="zh-CN" dirty="0"/>
+          </a:p>
+          <a:p>
+            <a:r>
+              <a:rPr kumimoji="1" lang="en-US" altLang="zh-CN" dirty="0"/>
+              <a:t>10</a:t>
+            </a:r>
+            <a:r>
+              <a:rPr kumimoji="1" lang="zh-CN" altLang="en-US" dirty="0"/>
+              <a:t>周</a:t>
+            </a:r>
+            <a:r>
+              <a:rPr kumimoji="1" lang="en-US" altLang="zh-CN" dirty="0"/>
+              <a:t>——15</a:t>
+            </a:r>
+            <a:r>
+              <a:rPr kumimoji="1" lang="zh-CN" altLang="en-US" dirty="0"/>
+              <a:t>周</a:t>
+            </a:r>
+            <a:endParaRPr kumimoji="1" lang="en-US" altLang="zh-CN" dirty="0"/>
+          </a:p>
+          <a:p>
+            <a:pPr lvl="1"/>
+            <a:r>
+              <a:rPr kumimoji="1" lang="zh-CN" altLang="en-US" dirty="0"/>
+              <a:t>使内核支持尽可能多的</a:t>
+            </a:r>
+            <a:r>
+              <a:rPr kumimoji="1" lang="en-US" altLang="zh-CN" dirty="0"/>
+              <a:t>sel4test</a:t>
+            </a:r>
+            <a:r>
+              <a:rPr kumimoji="1" lang="zh-CN" altLang="en-US" dirty="0"/>
+              <a:t>测例</a:t>
+            </a:r>
+            <a:endParaRPr kumimoji="1" lang="en-US" altLang="zh-CN" dirty="0"/>
+          </a:p>
+          <a:p>
+            <a:pPr lvl="1"/>
+            <a:r>
+              <a:rPr kumimoji="1" lang="zh-CN" altLang="en-US" dirty="0"/>
+              <a:t>撰写论文</a:t>
+            </a:r>
+            <a:endParaRPr kumimoji="1" lang="en-US" altLang="zh-CN" dirty="0"/>
+          </a:p>
+        </p:txBody>
+      </p:sp>
+      <p:sp>
+        <p:nvSpPr>
+          <p:cNvPr id="3" name="标题 2"/>
+          <p:cNvSpPr>
+            <a:spLocks noGrp="1"/>
+          </p:cNvSpPr>
+          <p:nvPr>
+            <p:ph type="title"/>
+          </p:nvPr>
+        </p:nvSpPr>
+        <p:spPr/>
+        <p:txBody>
+          <a:bodyPr/>
+          <a:lstStyle/>
+          <a:p>
+            <a:r>
+              <a:rPr kumimoji="1" lang="zh-CN" altLang="en-US" dirty="0"/>
+              <a:t>后续规划</a:t>
+            </a:r>
+            <a:endParaRPr kumimoji="1" lang="zh-CN" altLang="en-US" dirty="0"/>
+          </a:p>
+        </p:txBody>
+      </p:sp>
+    </p:spTree>
+  </p:cSld>
+  <p:clrMapOvr>
+    <a:masterClrMapping/>
+  </p:clrMapOvr>
+</p:sld>
+</file>
+
+<file path=ppt/slides/slide13.xml><?xml version="1.0" encoding="utf-8"?>
+<p:sld xmlns:a="http://schemas.openxmlformats.org/drawingml/2006/main" xmlns:r="http://schemas.openxmlformats.org/officeDocument/2006/relationships" xmlns:p="http://schemas.openxmlformats.org/presentationml/2006/main">
+  <p:cSld>
+    <p:spTree>
+      <p:nvGrpSpPr>
+        <p:cNvPr id="1" name=""/>
+        <p:cNvGrpSpPr/>
+        <p:nvPr/>
+      </p:nvGrpSpPr>
+      <p:grpSpPr>
+        <a:xfrm>
+          <a:off x="0" y="0"/>
+          <a:ext cx="0" cy="0"/>
+          <a:chOff x="0" y="0"/>
+          <a:chExt cx="0" cy="0"/>
+        </a:xfrm>
+      </p:grpSpPr>
+      <p:sp>
+        <p:nvSpPr>
+          <p:cNvPr id="4" name="标题 3"/>
+          <p:cNvSpPr>
+            <a:spLocks noGrp="1"/>
+          </p:cNvSpPr>
+          <p:nvPr>
+            <p:ph type="ctrTitle"/>
+          </p:nvPr>
+        </p:nvSpPr>
+        <p:spPr/>
+        <p:txBody>
+          <a:bodyPr/>
+          <a:lstStyle/>
+          <a:p>
+            <a:pPr algn="ctr"/>
+            <a:r>
+              <a:rPr kumimoji="1" lang="zh-CN" altLang="en-US" dirty="0"/>
+              <a:t>谢谢！</a:t>
+            </a:r>
+            <a:endParaRPr kumimoji="1" lang="zh-CN" altLang="en-US" dirty="0"/>
+          </a:p>
+        </p:txBody>
+      </p:sp>
+      <p:sp>
+        <p:nvSpPr>
+          <p:cNvPr id="5" name="副标题 4"/>
+          <p:cNvSpPr>
+            <a:spLocks noGrp="1"/>
+          </p:cNvSpPr>
+          <p:nvPr>
+            <p:ph type="subTitle" idx="1"/>
+          </p:nvPr>
+        </p:nvSpPr>
+        <p:spPr/>
+        <p:txBody>
+          <a:bodyPr>
+            <a:normAutofit/>
+          </a:bodyPr>
+          <a:lstStyle/>
+          <a:p>
+            <a:endParaRPr kumimoji="1" lang="zh-CN" altLang="en-US" dirty="0"/>
+          </a:p>
+        </p:txBody>
+      </p:sp>
+    </p:spTree>
+  </p:cSld>
+  <p:clrMapOvr>
+    <a:masterClrMapping/>
+  </p:clrMapOvr>
+</p:sld>
+</file>
+
+<file path=ppt/slides/slide2.xml><?xml version="1.0" encoding="utf-8"?>
+<p:sld xmlns:a="http://schemas.openxmlformats.org/drawingml/2006/main" xmlns:r="http://schemas.openxmlformats.org/officeDocument/2006/relationships" xmlns:p="http://schemas.openxmlformats.org/presentationml/2006/main">
+  <p:cSld>
+    <p:spTree>
+      <p:nvGrpSpPr>
+        <p:cNvPr id="1" name=""/>
+        <p:cNvGrpSpPr/>
+        <p:nvPr/>
+      </p:nvGrpSpPr>
+      <p:grpSpPr>
+        <a:xfrm>
+          <a:off x="0" y="0"/>
+          <a:ext cx="0" cy="0"/>
+          <a:chOff x="0" y="0"/>
+          <a:chExt cx="0" cy="0"/>
+        </a:xfrm>
+      </p:grpSpPr>
+      <p:sp>
+        <p:nvSpPr>
+          <p:cNvPr id="2" name="标题 1"/>
+          <p:cNvSpPr>
+            <a:spLocks noGrp="1"/>
+          </p:cNvSpPr>
+          <p:nvPr>
+            <p:ph type="ctrTitle"/>
+          </p:nvPr>
+        </p:nvSpPr>
+        <p:spPr/>
+        <p:txBody>
+          <a:bodyPr/>
+          <a:lstStyle/>
+          <a:p>
+            <a:pPr algn="ctr"/>
+            <a:r>
+              <a:rPr lang="zh-CN" altLang="en-US" dirty="0"/>
+              <a:t>课题内容</a:t>
+            </a:r>
+            <a:endParaRPr lang="zh-CN" altLang="en-US" dirty="0"/>
+          </a:p>
+        </p:txBody>
+      </p:sp>
+    </p:spTree>
+  </p:cSld>
+  <p:clrMapOvr>
+    <a:masterClrMapping/>
+  </p:clrMapOvr>
+</p:sld>
+</file>
+
+<file path=ppt/slides/slide3.xml><?xml version="1.0" encoding="utf-8"?>
+<p:sld xmlns:a="http://schemas.openxmlformats.org/drawingml/2006/main" xmlns:r="http://schemas.openxmlformats.org/officeDocument/2006/relationships" xmlns:p="http://schemas.openxmlformats.org/presentationml/2006/main">
+  <p:cSld>
+    <p:spTree>
+      <p:nvGrpSpPr>
+        <p:cNvPr id="1" name=""/>
+        <p:cNvGrpSpPr/>
+        <p:nvPr/>
+      </p:nvGrpSpPr>
+      <p:grpSpPr>
+        <a:xfrm>
+          <a:off x="0" y="0"/>
+          <a:ext cx="0" cy="0"/>
+          <a:chOff x="0" y="0"/>
+          <a:chExt cx="0" cy="0"/>
+        </a:xfrm>
+      </p:grpSpPr>
+      <p:sp>
+        <p:nvSpPr>
+          <p:cNvPr id="2" name="内容占位符 1"/>
+          <p:cNvSpPr>
+            <a:spLocks noGrp="1"/>
+          </p:cNvSpPr>
+          <p:nvPr>
+            <p:ph idx="1"/>
+          </p:nvPr>
+        </p:nvSpPr>
+        <p:spPr/>
+        <p:txBody>
+          <a:bodyPr/>
+          <a:lstStyle/>
+          <a:p>
+            <a:pPr>
+              <a:buFont typeface="Arial" panose="02080604020202020204" pitchFamily="34" charset="0"/>
+              <a:buChar char="•"/>
+            </a:pPr>
+            <a:r>
+              <a:rPr kumimoji="1" lang="zh-CN" altLang="en-US" dirty="0"/>
+              <a:t>用</a:t>
+            </a:r>
+            <a:r>
+              <a:rPr kumimoji="1" lang="en-US" altLang="zh-CN" dirty="0"/>
+              <a:t>rust</a:t>
+            </a:r>
+            <a:r>
+              <a:rPr kumimoji="1" lang="zh-CN" altLang="en-US" dirty="0"/>
+              <a:t>语言重新实现</a:t>
+            </a:r>
+            <a:r>
+              <a:rPr kumimoji="1" lang="en-US" altLang="zh-CN" dirty="0"/>
+              <a:t>sel4</a:t>
+            </a:r>
+            <a:r>
+              <a:rPr kumimoji="1" lang="zh-CN" altLang="en-US" dirty="0"/>
+              <a:t>的最主要功能</a:t>
+            </a:r>
+            <a:endParaRPr kumimoji="1" lang="zh-CN" altLang="en-US" dirty="0"/>
+          </a:p>
+          <a:p>
+            <a:pPr lvl="1">
+              <a:buFont typeface="Arial" panose="02080604020202020204" pitchFamily="34" charset="0"/>
+              <a:buChar char="•"/>
+            </a:pPr>
+            <a:r>
+              <a:rPr kumimoji="1" lang="en-US" altLang="zh-CN" dirty="0"/>
+              <a:t>capability space</a:t>
+            </a:r>
+            <a:endParaRPr kumimoji="1" lang="en-US" altLang="zh-CN" dirty="0"/>
+          </a:p>
+          <a:p>
+            <a:pPr lvl="1">
+              <a:buFont typeface="Arial" panose="02080604020202020204" pitchFamily="34" charset="0"/>
+              <a:buChar char="•"/>
+            </a:pPr>
+            <a:r>
+              <a:rPr kumimoji="1" lang="zh-CN" altLang="en-US" dirty="0"/>
+              <a:t>虚拟地址空间</a:t>
+            </a:r>
+            <a:endParaRPr kumimoji="1" lang="zh-CN" altLang="en-US" dirty="0"/>
+          </a:p>
+          <a:p>
+            <a:pPr lvl="1">
+              <a:buFont typeface="Arial" panose="02080604020202020204" pitchFamily="34" charset="0"/>
+              <a:buChar char="•"/>
+            </a:pPr>
+            <a:r>
+              <a:rPr kumimoji="1" lang="zh-CN" altLang="en-US" dirty="0"/>
+              <a:t>进程间通信</a:t>
+            </a:r>
+            <a:endParaRPr kumimoji="1" lang="zh-CN" altLang="en-US" dirty="0"/>
+          </a:p>
+          <a:p>
+            <a:pPr lvl="1">
+              <a:buFont typeface="Arial" panose="02080604020202020204" pitchFamily="34" charset="0"/>
+              <a:buChar char="•"/>
+            </a:pPr>
+            <a:r>
+              <a:rPr kumimoji="1" lang="zh-CN" altLang="en-US" dirty="0"/>
+              <a:t>中断异常</a:t>
+            </a:r>
+            <a:endParaRPr kumimoji="1" lang="zh-CN" altLang="en-US" dirty="0"/>
+          </a:p>
+          <a:p>
+            <a:pPr>
+              <a:buFont typeface="Arial" panose="02080604020202020204" pitchFamily="34" charset="0"/>
+              <a:buChar char="•"/>
+            </a:pPr>
+            <a:r>
+              <a:rPr kumimoji="1" lang="zh-CN" altLang="en-US" dirty="0"/>
+              <a:t>实现一个可以运行的应用程序环境供内核测试</a:t>
+            </a:r>
+            <a:endParaRPr kumimoji="1" lang="zh-CN" altLang="en-US" dirty="0"/>
+          </a:p>
+          <a:p>
+            <a:pPr>
+              <a:buFont typeface="Arial" panose="02080604020202020204" pitchFamily="34" charset="0"/>
+              <a:buChar char="•"/>
+            </a:pPr>
+            <a:r>
+              <a:rPr kumimoji="1" lang="zh-CN" altLang="en-US" dirty="0"/>
+              <a:t>让实现的内核通过尽可能多的</a:t>
+            </a:r>
+            <a:r>
+              <a:rPr kumimoji="1" lang="en-US" altLang="zh-CN" dirty="0"/>
+              <a:t>sel4test</a:t>
+            </a:r>
+            <a:r>
+              <a:rPr kumimoji="1" lang="zh-CN" altLang="en-US" dirty="0"/>
+              <a:t>测例</a:t>
+            </a:r>
+            <a:endParaRPr kumimoji="1" lang="zh-CN" altLang="en-US" dirty="0"/>
+          </a:p>
+          <a:p>
+            <a:pPr marL="0" lvl="0" indent="0">
+              <a:buFont typeface="Arial" panose="02080604020202020204" pitchFamily="34" charset="0"/>
+              <a:buNone/>
+            </a:pPr>
+            <a:endParaRPr kumimoji="1" lang="zh-CN" altLang="en-US" dirty="0"/>
+          </a:p>
+        </p:txBody>
+      </p:sp>
+      <p:sp>
+        <p:nvSpPr>
+          <p:cNvPr id="3" name="标题 2"/>
+          <p:cNvSpPr>
+            <a:spLocks noGrp="1"/>
+          </p:cNvSpPr>
+          <p:nvPr>
+            <p:ph type="title"/>
+          </p:nvPr>
+        </p:nvSpPr>
+        <p:spPr/>
+        <p:txBody>
+          <a:bodyPr/>
+          <a:lstStyle/>
+          <a:p>
+            <a:r>
+              <a:rPr kumimoji="1" lang="zh-CN" altLang="en-US" dirty="0"/>
+              <a:t>课题内容</a:t>
+            </a:r>
+            <a:endParaRPr kumimoji="1" lang="zh-CN" altLang="en-US" dirty="0"/>
+          </a:p>
+        </p:txBody>
+      </p:sp>
+    </p:spTree>
+  </p:cSld>
+  <p:clrMapOvr>
+    <a:masterClrMapping/>
+  </p:clrMapOvr>
+</p:sld>
+</file>
+
+<file path=ppt/slides/slide4.xml><?xml version="1.0" encoding="utf-8"?>
+<p:sld xmlns:a="http://schemas.openxmlformats.org/drawingml/2006/main" xmlns:r="http://schemas.openxmlformats.org/officeDocument/2006/relationships" xmlns:p="http://schemas.openxmlformats.org/presentationml/2006/main">
+  <p:cSld>
+    <p:spTree>
+      <p:nvGrpSpPr>
+        <p:cNvPr id="1" name=""/>
+        <p:cNvGrpSpPr/>
+        <p:nvPr/>
+      </p:nvGrpSpPr>
+      <p:grpSpPr>
+        <a:xfrm>
+          <a:off x="0" y="0"/>
+          <a:ext cx="0" cy="0"/>
+          <a:chOff x="0" y="0"/>
+          <a:chExt cx="0" cy="0"/>
+        </a:xfrm>
+      </p:grpSpPr>
+      <p:sp>
+        <p:nvSpPr>
+          <p:cNvPr id="2" name="标题 1"/>
+          <p:cNvSpPr>
+            <a:spLocks noGrp="1"/>
+          </p:cNvSpPr>
+          <p:nvPr>
+            <p:ph type="ctrTitle"/>
+          </p:nvPr>
+        </p:nvSpPr>
+        <p:spPr/>
+        <p:txBody>
+          <a:bodyPr/>
+          <a:lstStyle/>
+          <a:p>
+            <a:pPr algn="ctr"/>
+            <a:r>
+              <a:rPr lang="zh-CN" altLang="en-US" dirty="0"/>
+              <a:t>目前进展</a:t>
+            </a:r>
+            <a:endParaRPr lang="zh-CN" altLang="en-US" dirty="0"/>
+          </a:p>
+        </p:txBody>
+      </p:sp>
+      <p:sp>
+        <p:nvSpPr>
+          <p:cNvPr id="3" name="副标题 2"/>
+          <p:cNvSpPr>
+            <a:spLocks noGrp="1"/>
+          </p:cNvSpPr>
+          <p:nvPr>
+            <p:ph type="subTitle" idx="1"/>
+          </p:nvPr>
+        </p:nvSpPr>
+        <p:spPr/>
+        <p:txBody>
+          <a:bodyPr/>
+          <a:lstStyle/>
+          <a:p>
+            <a:endParaRPr lang="zh-CN" altLang="en-US" dirty="0"/>
+          </a:p>
+        </p:txBody>
+      </p:sp>
+    </p:spTree>
+  </p:cSld>
+  <p:clrMapOvr>
+    <a:masterClrMapping/>
+  </p:clrMapOvr>
+</p:sld>
+</file>
+
+<file path=ppt/slides/slide5.xml><?xml version="1.0" encoding="utf-8"?>
+<p:sld xmlns:a="http://schemas.openxmlformats.org/drawingml/2006/main" xmlns:r="http://schemas.openxmlformats.org/officeDocument/2006/relationships" xmlns:p="http://schemas.openxmlformats.org/presentationml/2006/main">
+  <p:cSld>
+    <p:spTree>
+      <p:nvGrpSpPr>
+        <p:cNvPr id="1" name=""/>
+        <p:cNvGrpSpPr/>
+        <p:nvPr/>
+      </p:nvGrpSpPr>
+      <p:grpSpPr>
+        <a:xfrm>
+          <a:off x="0" y="0"/>
+          <a:ext cx="0" cy="0"/>
+          <a:chOff x="0" y="0"/>
+          <a:chExt cx="0" cy="0"/>
+        </a:xfrm>
+      </p:grpSpPr>
+      <p:sp>
+        <p:nvSpPr>
+          <p:cNvPr id="2" name="内容占位符 1"/>
+          <p:cNvSpPr>
+            <a:spLocks noGrp="1"/>
+          </p:cNvSpPr>
+          <p:nvPr>
+            <p:ph idx="1"/>
+          </p:nvPr>
+        </p:nvSpPr>
+        <p:spPr/>
+        <p:txBody>
+          <a:bodyPr/>
+          <a:lstStyle/>
+          <a:p>
+            <a:pPr>
+              <a:buFont typeface="Arial" panose="02080604020202020204" pitchFamily="34" charset="0"/>
+              <a:buChar char="•"/>
+            </a:pPr>
+            <a:r>
+              <a:rPr kumimoji="1" lang="zh-CN" altLang="en-US" dirty="0"/>
+              <a:t>完成了一个可以运行应用程序的内核</a:t>
+            </a:r>
+            <a:endParaRPr kumimoji="1" lang="zh-CN" altLang="en-US" dirty="0"/>
+          </a:p>
+          <a:p>
+            <a:pPr>
+              <a:buFont typeface="Arial" panose="02080604020202020204" pitchFamily="34" charset="0"/>
+              <a:buChar char="•"/>
+            </a:pPr>
+            <a:r>
+              <a:rPr kumimoji="1" lang="zh-CN" altLang="en-US" dirty="0"/>
+              <a:t>实现了</a:t>
+            </a:r>
+            <a:r>
+              <a:rPr kumimoji="1" lang="en-US" altLang="zh-CN" dirty="0"/>
+              <a:t>Capability Space</a:t>
+            </a:r>
+            <a:r>
+              <a:rPr kumimoji="1" lang="zh-CN" altLang="en-US" dirty="0"/>
+              <a:t>全部功能</a:t>
+            </a:r>
+            <a:endParaRPr kumimoji="1" lang="zh-CN" altLang="en-US" dirty="0"/>
+          </a:p>
+          <a:p>
+            <a:pPr>
+              <a:buFont typeface="Arial" panose="02080604020202020204" pitchFamily="34" charset="0"/>
+              <a:buChar char="•"/>
+            </a:pPr>
+            <a:r>
+              <a:rPr kumimoji="1" lang="zh-CN" altLang="en-US" dirty="0"/>
+              <a:t>实现了虚拟地址空间</a:t>
+            </a:r>
+            <a:endParaRPr kumimoji="1" lang="zh-CN" altLang="en-US" dirty="0"/>
+          </a:p>
+          <a:p>
+            <a:pPr>
+              <a:buFont typeface="Arial" panose="02080604020202020204" pitchFamily="34" charset="0"/>
+              <a:buChar char="•"/>
+            </a:pPr>
+            <a:r>
+              <a:rPr kumimoji="1" lang="zh-CN" altLang="en-US" dirty="0"/>
+              <a:t>实现了用于进程间通信的</a:t>
+            </a:r>
+            <a:r>
+              <a:rPr kumimoji="1" lang="en-US" altLang="zh-CN" dirty="0"/>
+              <a:t>endpoint</a:t>
+            </a:r>
+            <a:r>
+              <a:rPr kumimoji="1" lang="zh-CN" altLang="en-US" dirty="0"/>
+              <a:t>和</a:t>
+            </a:r>
+            <a:r>
+              <a:rPr kumimoji="1" lang="en-US" altLang="zh-CN" dirty="0"/>
+              <a:t>notification</a:t>
+            </a:r>
+            <a:endParaRPr kumimoji="1" lang="en-US" altLang="zh-CN" dirty="0"/>
+          </a:p>
+          <a:p>
+            <a:pPr marL="0" indent="0">
+              <a:buFont typeface="Arial" panose="02080604020202020204" pitchFamily="34" charset="0"/>
+              <a:buNone/>
+            </a:pPr>
+            <a:endParaRPr kumimoji="1" lang="zh-CN" altLang="en-US" dirty="0"/>
+          </a:p>
+        </p:txBody>
+      </p:sp>
+      <p:sp>
+        <p:nvSpPr>
+          <p:cNvPr id="3" name="标题 2"/>
+          <p:cNvSpPr>
+            <a:spLocks noGrp="1"/>
+          </p:cNvSpPr>
+          <p:nvPr>
+            <p:ph type="title"/>
+          </p:nvPr>
+        </p:nvSpPr>
+        <p:spPr/>
+        <p:txBody>
+          <a:bodyPr/>
+          <a:lstStyle/>
+          <a:p>
+            <a:r>
+              <a:rPr kumimoji="1" lang="zh-CN" altLang="en-US" dirty="0"/>
+              <a:t>目前进展</a:t>
+            </a:r>
+            <a:endParaRPr kumimoji="1" lang="zh-CN" altLang="en-US" dirty="0"/>
+          </a:p>
+        </p:txBody>
+      </p:sp>
+    </p:spTree>
+  </p:cSld>
+  <p:clrMapOvr>
+    <a:masterClrMapping/>
+  </p:clrMapOvr>
+</p:sld>
+</file>
+
+<file path=ppt/slides/slide6.xml><?xml version="1.0" encoding="utf-8"?>
+<p:sld xmlns:a="http://schemas.openxmlformats.org/drawingml/2006/main" xmlns:r="http://schemas.openxmlformats.org/officeDocument/2006/relationships" xmlns:p="http://schemas.openxmlformats.org/presentationml/2006/main">
+  <p:cSld>
+    <p:spTree>
+      <p:nvGrpSpPr>
+        <p:cNvPr id="1" name=""/>
+        <p:cNvGrpSpPr/>
+        <p:nvPr/>
+      </p:nvGrpSpPr>
+      <p:grpSpPr>
+        <a:xfrm>
+          <a:off x="0" y="0"/>
+          <a:ext cx="0" cy="0"/>
+          <a:chOff x="0" y="0"/>
+          <a:chExt cx="0" cy="0"/>
+        </a:xfrm>
+      </p:grpSpPr>
+      <p:sp>
+        <p:nvSpPr>
+          <p:cNvPr id="3" name="标题 2"/>
+          <p:cNvSpPr>
+            <a:spLocks noGrp="1"/>
+          </p:cNvSpPr>
+          <p:nvPr>
+            <p:ph type="title"/>
+          </p:nvPr>
+        </p:nvSpPr>
+        <p:spPr/>
+        <p:txBody>
+          <a:bodyPr/>
+          <a:lstStyle/>
+          <a:p>
+            <a:r>
+              <a:rPr kumimoji="1" lang="zh-CN" altLang="x-none" dirty="0"/>
+              <a:t>一个可以运行的内核</a:t>
+            </a:r>
+            <a:endParaRPr kumimoji="1" lang="zh-CN" altLang="x-none" dirty="0"/>
+          </a:p>
+        </p:txBody>
+      </p:sp>
+      <p:sp>
+        <p:nvSpPr>
+          <p:cNvPr id="5" name="Content Placeholder 4"/>
+          <p:cNvSpPr/>
+          <p:nvPr>
+            <p:ph idx="1"/>
+          </p:nvPr>
+        </p:nvSpPr>
+        <p:spPr>
+          <a:xfrm>
+            <a:off x="835025" y="2174240"/>
+            <a:ext cx="5438775" cy="4378960"/>
+          </a:xfrm>
+        </p:spPr>
+        <p:txBody>
+          <a:bodyPr>
+            <a:normAutofit/>
+          </a:bodyPr>
+          <a:p>
+            <a:pPr>
+              <a:buFont typeface="Arial" panose="02080604020202020204" pitchFamily="34" charset="0"/>
+              <a:buChar char="•"/>
+            </a:pPr>
+            <a:r>
+              <a:rPr lang="zh-CN" altLang="en-US"/>
+              <a:t>调度</a:t>
+            </a:r>
+            <a:endParaRPr lang="zh-CN" altLang="en-US"/>
+          </a:p>
+          <a:p>
+            <a:pPr lvl="1">
+              <a:buFont typeface="Arial" panose="02080604020202020204" pitchFamily="34" charset="0"/>
+              <a:buChar char="•"/>
+            </a:pPr>
+            <a:r>
+              <a:rPr lang="zh-CN" altLang="en-US"/>
+              <a:t>主要采用时间片轮转算法，当前域的线程时间片用尽后会调到下一个域选择优先级最高的线程继续执行。</a:t>
+            </a:r>
+            <a:endParaRPr lang="zh-CN" altLang="en-US"/>
+          </a:p>
+          <a:p>
+            <a:pPr lvl="1">
+              <a:buFont typeface="Arial" panose="02080604020202020204" pitchFamily="34" charset="0"/>
+              <a:buChar char="•"/>
+            </a:pPr>
+            <a:r>
+              <a:rPr lang="zh-CN" altLang="en-US"/>
+              <a:t>会受到进程间通信的影响，当因进程间通信而阻塞的线程非阻塞时，有可能抢占当前线程继续执行。</a:t>
+            </a:r>
+            <a:endParaRPr lang="zh-CN" altLang="en-US"/>
+          </a:p>
+          <a:p>
+            <a:pPr lvl="0">
+              <a:buFont typeface="Arial" panose="02080604020202020204" pitchFamily="34" charset="0"/>
+              <a:buChar char="•"/>
+            </a:pPr>
+            <a:r>
+              <a:rPr lang="zh-CN" altLang="en-US" sz="1800"/>
+              <a:t>中断异常</a:t>
+            </a:r>
+            <a:endParaRPr lang="zh-CN" altLang="en-US" sz="1800"/>
+          </a:p>
+          <a:p>
+            <a:pPr lvl="1">
+              <a:buFont typeface="Arial" panose="02080604020202020204" pitchFamily="34" charset="0"/>
+              <a:buChar char="•"/>
+            </a:pPr>
+            <a:r>
+              <a:rPr lang="en-US" altLang="zh-CN" sz="1600"/>
+              <a:t>trap</a:t>
+            </a:r>
+            <a:r>
+              <a:rPr lang="zh-CN" altLang="en-US" sz="1600"/>
+              <a:t>上下文保存</a:t>
+            </a:r>
+            <a:r>
+              <a:rPr lang="en-US" altLang="zh-CN" sz="1600"/>
+              <a:t>32</a:t>
+            </a:r>
+            <a:r>
+              <a:rPr lang="zh-CN" altLang="en-US" sz="1600"/>
+              <a:t>个通用寄存器</a:t>
+            </a:r>
+            <a:r>
+              <a:rPr lang="en-US" altLang="zh-CN" sz="1600"/>
+              <a:t> sstatus sepc scause</a:t>
+            </a:r>
+            <a:r>
+              <a:rPr lang="zh-CN" altLang="en-US" sz="1600"/>
+              <a:t>的值。</a:t>
+            </a:r>
+            <a:r>
+              <a:rPr lang="en-US" altLang="zh-CN" sz="1600"/>
+              <a:t>trap</a:t>
+            </a:r>
+            <a:r>
+              <a:rPr lang="zh-CN" altLang="en-US" sz="1600"/>
+              <a:t>上下文指针保存在</a:t>
+            </a:r>
+            <a:r>
+              <a:rPr lang="en-US" altLang="zh-CN" sz="1600"/>
+              <a:t>sscratch</a:t>
+            </a:r>
+            <a:r>
+              <a:rPr lang="zh-CN" altLang="en-US" sz="1600"/>
+              <a:t>寄存器中，方便特权级切换时保存线程运行现场</a:t>
+            </a:r>
+            <a:endParaRPr lang="zh-CN" altLang="en-US" sz="1600"/>
+          </a:p>
+          <a:p>
+            <a:pPr lvl="1">
+              <a:buFont typeface="Arial" panose="02080604020202020204" pitchFamily="34" charset="0"/>
+              <a:buChar char="•"/>
+            </a:pPr>
+            <a:r>
+              <a:rPr lang="zh-CN" altLang="en-US" sz="1600"/>
+              <a:t>支持最简单的</a:t>
+            </a:r>
+            <a:r>
+              <a:rPr lang="en-US" altLang="zh-CN" sz="1600"/>
+              <a:t>exit write yield</a:t>
+            </a:r>
+            <a:r>
+              <a:rPr lang="zh-CN" altLang="en-US" sz="1600"/>
+              <a:t>等系统调用，同时新增</a:t>
+            </a:r>
+            <a:r>
+              <a:rPr lang="en-US" altLang="zh-CN" sz="1600"/>
+              <a:t>sel4</a:t>
+            </a:r>
+            <a:r>
+              <a:rPr lang="zh-CN" altLang="en-US" sz="1600"/>
+              <a:t>特有的</a:t>
+            </a:r>
+            <a:r>
+              <a:rPr lang="en-US" altLang="zh-CN" sz="1600"/>
+              <a:t>invocation</a:t>
+            </a:r>
+            <a:r>
+              <a:rPr lang="zh-CN" altLang="en-US" sz="1600"/>
+              <a:t>，如</a:t>
+            </a:r>
+            <a:r>
+              <a:rPr lang="en-US" altLang="zh-CN" sz="1600"/>
+              <a:t>send recv</a:t>
+            </a:r>
+            <a:r>
+              <a:rPr lang="zh-CN" altLang="en-US" sz="1600"/>
+              <a:t>等，用于进程间通信。</a:t>
+            </a:r>
+            <a:endParaRPr lang="zh-CN" altLang="en-US"/>
+          </a:p>
+          <a:p>
+            <a:pPr>
+              <a:buFont typeface="Arial" panose="02080604020202020204" pitchFamily="34" charset="0"/>
+              <a:buChar char="•"/>
+            </a:pPr>
+            <a:endParaRPr lang="zh-CN" altLang="en-US"/>
+          </a:p>
+        </p:txBody>
+      </p:sp>
+      <p:pic>
+        <p:nvPicPr>
+          <p:cNvPr id="4" name="Picture 3"/>
+          <p:cNvPicPr>
+            <a:picLocks noChangeAspect="1"/>
+          </p:cNvPicPr>
+          <p:nvPr/>
+        </p:nvPicPr>
+        <p:blipFill>
+          <a:blip r:embed="rId1"/>
+          <a:stretch>
+            <a:fillRect/>
+          </a:stretch>
+        </p:blipFill>
+        <p:spPr>
+          <a:xfrm>
+            <a:off x="6584315" y="2931160"/>
+            <a:ext cx="2573020" cy="2324100"/>
+          </a:xfrm>
+          <a:prstGeom prst="rect">
+            <a:avLst/>
+          </a:prstGeom>
+        </p:spPr>
+      </p:pic>
+      <p:pic>
+        <p:nvPicPr>
+          <p:cNvPr id="6" name="Picture 5" descr="微信图片_20230411194358"/>
+          <p:cNvPicPr>
+            <a:picLocks noChangeAspect="1"/>
+          </p:cNvPicPr>
+          <p:nvPr/>
+        </p:nvPicPr>
+        <p:blipFill>
+          <a:blip r:embed="rId2"/>
+          <a:stretch>
+            <a:fillRect/>
+          </a:stretch>
+        </p:blipFill>
+        <p:spPr>
+          <a:xfrm>
+            <a:off x="9792970" y="2851785"/>
+            <a:ext cx="1822450" cy="2482850"/>
+          </a:xfrm>
+          <a:prstGeom prst="rect">
+            <a:avLst/>
+          </a:prstGeom>
+        </p:spPr>
+      </p:pic>
+    </p:spTree>
+  </p:cSld>
+  <p:clrMapOvr>
+    <a:masterClrMapping/>
+  </p:clrMapOvr>
+</p:sld>
+</file>
+
+<file path=ppt/slides/slide7.xml><?xml version="1.0" encoding="utf-8"?>
+<p:sld xmlns:a="http://schemas.openxmlformats.org/drawingml/2006/main" xmlns:r="http://schemas.openxmlformats.org/officeDocument/2006/relationships" xmlns:p="http://schemas.openxmlformats.org/presentationml/2006/main">
+  <p:cSld>
+    <p:spTree>
+      <p:nvGrpSpPr>
+        <p:cNvPr id="1" name=""/>
+        <p:cNvGrpSpPr/>
+        <p:nvPr/>
+      </p:nvGrpSpPr>
+      <p:grpSpPr>
+        <a:xfrm>
+          <a:off x="0" y="0"/>
+          <a:ext cx="0" cy="0"/>
+          <a:chOff x="0" y="0"/>
+          <a:chExt cx="0" cy="0"/>
+        </a:xfrm>
+      </p:grpSpPr>
+      <p:sp>
+        <p:nvSpPr>
+          <p:cNvPr id="3" name="标题 2"/>
+          <p:cNvSpPr>
+            <a:spLocks noGrp="1"/>
+          </p:cNvSpPr>
+          <p:nvPr>
+            <p:ph type="title"/>
+          </p:nvPr>
+        </p:nvSpPr>
+        <p:spPr/>
+        <p:txBody>
+          <a:bodyPr/>
+          <a:lstStyle/>
+          <a:p>
+            <a:r>
+              <a:rPr kumimoji="1" lang="x-none" altLang="zh-CN" dirty="0"/>
+              <a:t>CAPABILITY SPACE</a:t>
+            </a:r>
+            <a:endParaRPr kumimoji="1" lang="x-none" altLang="zh-CN" dirty="0"/>
+          </a:p>
+        </p:txBody>
+      </p:sp>
+      <p:sp>
+        <p:nvSpPr>
+          <p:cNvPr id="2" name="Content Placeholder 1"/>
+          <p:cNvSpPr/>
+          <p:nvPr>
+            <p:ph idx="1"/>
+          </p:nvPr>
+        </p:nvSpPr>
+        <p:spPr>
+          <a:xfrm>
+            <a:off x="833120" y="2180590"/>
+            <a:ext cx="5153660" cy="3678555"/>
+          </a:xfrm>
+        </p:spPr>
+        <p:txBody>
+          <a:bodyPr/>
+          <a:p>
+            <a:pPr>
+              <a:buFont typeface="Arial" panose="02080604020202020204" pitchFamily="34" charset="0"/>
+              <a:buChar char="•"/>
+            </a:pPr>
+            <a:r>
+              <a:rPr lang="en-US" altLang="zh-CN"/>
+              <a:t>capability space </a:t>
+            </a:r>
+            <a:r>
+              <a:rPr lang="zh-CN" altLang="en-US"/>
+              <a:t>主要由三类函数组成：</a:t>
+            </a:r>
+            <a:endParaRPr lang="zh-CN" altLang="en-US"/>
+          </a:p>
+          <a:p>
+            <a:pPr lvl="1">
+              <a:buFont typeface="Arial" panose="02080604020202020204" pitchFamily="34" charset="0"/>
+              <a:buChar char="•"/>
+            </a:pPr>
+            <a:r>
+              <a:rPr lang="zh-CN" altLang="en-US"/>
+              <a:t>读取、修改</a:t>
+            </a:r>
+            <a:r>
+              <a:rPr lang="en-US" altLang="zh-CN"/>
+              <a:t>capability</a:t>
+            </a:r>
+            <a:r>
+              <a:rPr lang="zh-CN" altLang="en-US"/>
+              <a:t>特定属性的接口</a:t>
+            </a:r>
+            <a:endParaRPr lang="zh-CN" altLang="en-US"/>
+          </a:p>
+          <a:p>
+            <a:pPr lvl="1">
+              <a:buFont typeface="Arial" panose="02080604020202020204" pitchFamily="34" charset="0"/>
+              <a:buChar char="•"/>
+            </a:pPr>
+            <a:r>
+              <a:rPr lang="zh-CN" altLang="en-US"/>
+              <a:t>管理派生关系，维护双向链表</a:t>
+            </a:r>
+            <a:endParaRPr lang="en-US" altLang="zh-CN"/>
+          </a:p>
+          <a:p>
+            <a:pPr lvl="1">
+              <a:buFont typeface="Arial" panose="02080604020202020204" pitchFamily="34" charset="0"/>
+              <a:buChar char="•"/>
+            </a:pPr>
+            <a:r>
+              <a:rPr lang="zh-CN" altLang="en-US"/>
+              <a:t>根据指针在</a:t>
+            </a:r>
+            <a:r>
+              <a:rPr lang="en-US" altLang="zh-CN"/>
+              <a:t>CSpace</a:t>
+            </a:r>
+            <a:r>
+              <a:rPr lang="zh-CN" altLang="en-US"/>
+              <a:t>中查找对应的</a:t>
+            </a:r>
+            <a:r>
+              <a:rPr lang="en-US" altLang="zh-CN"/>
+              <a:t>capability</a:t>
+            </a:r>
+            <a:endParaRPr lang="en-US" altLang="zh-CN"/>
+          </a:p>
+          <a:p>
+            <a:pPr lvl="0">
+              <a:buFont typeface="Arial" panose="02080604020202020204" pitchFamily="34" charset="0"/>
+              <a:buChar char="•"/>
+            </a:pPr>
+            <a:r>
+              <a:rPr lang="zh-CN" altLang="en-US"/>
+              <a:t>第一类与第三类函数常与其他模块交互，在其他模块的测试中并没有发现异常，第二类函数已通过自己编写的测例的测试。</a:t>
+            </a:r>
+            <a:endParaRPr lang="en-US" altLang="zh-CN"/>
+          </a:p>
+          <a:p>
+            <a:pPr marL="0" indent="0">
+              <a:buFont typeface="Arial" panose="02080604020202020204" pitchFamily="34" charset="0"/>
+              <a:buNone/>
+            </a:pPr>
+            <a:endParaRPr lang="zh-CN" altLang="en-US"/>
+          </a:p>
+          <a:p>
+            <a:pPr>
+              <a:buFont typeface="Arial" panose="02080604020202020204" pitchFamily="34" charset="0"/>
+              <a:buChar char="•"/>
+            </a:pPr>
+            <a:endParaRPr lang="zh-CN" altLang="en-US"/>
+          </a:p>
+          <a:p>
+            <a:pPr>
+              <a:buFont typeface="Arial" panose="02080604020202020204" pitchFamily="34" charset="0"/>
+              <a:buChar char="•"/>
+            </a:pPr>
+            <a:endParaRPr lang="zh-CN" altLang="en-US"/>
+          </a:p>
+          <a:p>
+            <a:pPr>
+              <a:buFont typeface="Arial" panose="02080604020202020204" pitchFamily="34" charset="0"/>
+              <a:buChar char="•"/>
+            </a:pPr>
+            <a:endParaRPr lang="zh-CN" altLang="en-US"/>
+          </a:p>
+          <a:p>
+            <a:pPr>
+              <a:buFont typeface="Arial" panose="02080604020202020204" pitchFamily="34" charset="0"/>
+              <a:buChar char="•"/>
+            </a:pPr>
+            <a:endParaRPr lang="zh-CN" altLang="en-US"/>
+          </a:p>
+        </p:txBody>
+      </p:sp>
+      <p:pic>
+        <p:nvPicPr>
+          <p:cNvPr id="8" name="Picture 7"/>
+          <p:cNvPicPr>
+            <a:picLocks noChangeAspect="1"/>
+          </p:cNvPicPr>
+          <p:nvPr/>
+        </p:nvPicPr>
+        <p:blipFill>
+          <a:blip r:embed="rId1"/>
+          <a:stretch>
+            <a:fillRect/>
+          </a:stretch>
+        </p:blipFill>
+        <p:spPr>
+          <a:xfrm>
+            <a:off x="6360160" y="1014730"/>
+            <a:ext cx="3314700" cy="1165860"/>
+          </a:xfrm>
+          <a:prstGeom prst="rect">
+            <a:avLst/>
+          </a:prstGeom>
+        </p:spPr>
+      </p:pic>
+      <p:pic>
+        <p:nvPicPr>
+          <p:cNvPr id="9" name="Picture 8"/>
+          <p:cNvPicPr>
+            <a:picLocks noChangeAspect="1"/>
+          </p:cNvPicPr>
+          <p:nvPr/>
+        </p:nvPicPr>
+        <p:blipFill>
+          <a:blip r:embed="rId2"/>
+          <a:stretch>
+            <a:fillRect/>
+          </a:stretch>
+        </p:blipFill>
+        <p:spPr>
+          <a:xfrm>
+            <a:off x="6360160" y="2576195"/>
+            <a:ext cx="4053840" cy="1337310"/>
+          </a:xfrm>
+          <a:prstGeom prst="rect">
+            <a:avLst/>
+          </a:prstGeom>
+        </p:spPr>
+      </p:pic>
+      <p:pic>
+        <p:nvPicPr>
+          <p:cNvPr id="10" name="Picture 9"/>
+          <p:cNvPicPr>
+            <a:picLocks noChangeAspect="1"/>
+          </p:cNvPicPr>
+          <p:nvPr/>
+        </p:nvPicPr>
+        <p:blipFill>
+          <a:blip r:embed="rId3"/>
+          <a:stretch>
+            <a:fillRect/>
+          </a:stretch>
+        </p:blipFill>
+        <p:spPr>
+          <a:xfrm>
+            <a:off x="6360160" y="4186555"/>
+            <a:ext cx="4704715" cy="1339215"/>
+          </a:xfrm>
+          <a:prstGeom prst="rect">
+            <a:avLst/>
+          </a:prstGeom>
+        </p:spPr>
+      </p:pic>
+    </p:spTree>
+  </p:cSld>
+  <p:clrMapOvr>
+    <a:masterClrMapping/>
+  </p:clrMapOvr>
+</p:sld>
+</file>
+
+<file path=ppt/slides/slide8.xml><?xml version="1.0" encoding="utf-8"?>
+<p:sld xmlns:a="http://schemas.openxmlformats.org/drawingml/2006/main" xmlns:r="http://schemas.openxmlformats.org/officeDocument/2006/relationships" xmlns:p="http://schemas.openxmlformats.org/presentationml/2006/main">
+  <p:cSld>
+    <p:spTree>
+      <p:nvGrpSpPr>
+        <p:cNvPr id="1" name=""/>
+        <p:cNvGrpSpPr/>
+        <p:nvPr/>
+      </p:nvGrpSpPr>
+      <p:grpSpPr>
+        <a:xfrm>
+          <a:off x="0" y="0"/>
+          <a:ext cx="0" cy="0"/>
+          <a:chOff x="0" y="0"/>
+          <a:chExt cx="0" cy="0"/>
+        </a:xfrm>
+      </p:grpSpPr>
+      <p:sp>
+        <p:nvSpPr>
+          <p:cNvPr id="2" name="内容占位符 1"/>
+          <p:cNvSpPr>
+            <a:spLocks noGrp="1"/>
+          </p:cNvSpPr>
+          <p:nvPr>
+            <p:ph idx="1"/>
+          </p:nvPr>
+        </p:nvSpPr>
+        <p:spPr>
+          <a:xfrm>
+            <a:off x="835025" y="1711960"/>
+            <a:ext cx="4431665" cy="3678555"/>
+          </a:xfrm>
+        </p:spPr>
+        <p:txBody>
+          <a:bodyPr/>
+          <a:lstStyle/>
+          <a:p>
+            <a:pPr marL="0" indent="0">
+              <a:buFont typeface="Arial" panose="02080604020202020204" pitchFamily="34" charset="0"/>
+              <a:buChar char="•"/>
+            </a:pPr>
+            <a:r>
+              <a:rPr kumimoji="1" lang="en-US" altLang="zh-CN" dirty="0"/>
+              <a:t> </a:t>
+            </a:r>
+            <a:r>
+              <a:rPr kumimoji="1" lang="zh-CN" altLang="en-US" dirty="0"/>
+              <a:t>物理地址与虚拟地址切换问题</a:t>
+            </a:r>
+            <a:endParaRPr kumimoji="1" lang="zh-CN" altLang="en-US" dirty="0"/>
+          </a:p>
+        </p:txBody>
+      </p:sp>
+      <p:sp>
+        <p:nvSpPr>
+          <p:cNvPr id="3" name="标题 2"/>
+          <p:cNvSpPr>
+            <a:spLocks noGrp="1"/>
+          </p:cNvSpPr>
+          <p:nvPr>
+            <p:ph type="title"/>
+          </p:nvPr>
+        </p:nvSpPr>
+        <p:spPr/>
+        <p:txBody>
+          <a:bodyPr/>
+          <a:lstStyle/>
+          <a:p>
+            <a:r>
+              <a:rPr kumimoji="1" lang="zh-CN" altLang="en-US" dirty="0"/>
+              <a:t>虚拟地址空间</a:t>
+            </a:r>
+            <a:endParaRPr kumimoji="1" lang="zh-CN" altLang="en-US" dirty="0"/>
+          </a:p>
+        </p:txBody>
+      </p:sp>
+      <p:pic>
+        <p:nvPicPr>
+          <p:cNvPr id="5" name="Picture 4"/>
+          <p:cNvPicPr>
+            <a:picLocks noChangeAspect="1"/>
+          </p:cNvPicPr>
+          <p:nvPr/>
+        </p:nvPicPr>
+        <p:blipFill>
+          <a:blip r:embed="rId1"/>
+          <a:stretch>
+            <a:fillRect/>
+          </a:stretch>
+        </p:blipFill>
+        <p:spPr>
+          <a:xfrm>
+            <a:off x="951230" y="2392045"/>
+            <a:ext cx="4959985" cy="3248025"/>
+          </a:xfrm>
+          <a:prstGeom prst="rect">
+            <a:avLst/>
+          </a:prstGeom>
+        </p:spPr>
+      </p:pic>
+      <p:pic>
+        <p:nvPicPr>
+          <p:cNvPr id="6" name="Picture 5"/>
+          <p:cNvPicPr>
+            <a:picLocks noChangeAspect="1"/>
+          </p:cNvPicPr>
+          <p:nvPr/>
+        </p:nvPicPr>
+        <p:blipFill>
+          <a:blip r:embed="rId2"/>
+          <a:stretch>
+            <a:fillRect/>
+          </a:stretch>
+        </p:blipFill>
+        <p:spPr>
+          <a:xfrm>
+            <a:off x="7337425" y="956310"/>
+            <a:ext cx="3739515" cy="4719955"/>
+          </a:xfrm>
+          <a:prstGeom prst="rect">
+            <a:avLst/>
+          </a:prstGeom>
+        </p:spPr>
+      </p:pic>
+    </p:spTree>
+  </p:cSld>
+  <p:clrMapOvr>
+    <a:masterClrMapping/>
+  </p:clrMapOvr>
+</p:sld>
+</file>
+
+<file path=ppt/slides/slide9.xml><?xml version="1.0" encoding="utf-8"?>
+<p:sld xmlns:a="http://schemas.openxmlformats.org/drawingml/2006/main" xmlns:r="http://schemas.openxmlformats.org/officeDocument/2006/relationships" xmlns:p="http://schemas.openxmlformats.org/presentationml/2006/main">
+  <p:cSld>
+    <p:spTree>
+      <p:nvGrpSpPr>
+        <p:cNvPr id="1" name=""/>
+        <p:cNvGrpSpPr/>
+        <p:nvPr/>
+      </p:nvGrpSpPr>
+      <p:grpSpPr>
+        <a:xfrm>
+          <a:off x="0" y="0"/>
+          <a:ext cx="0" cy="0"/>
+          <a:chOff x="0" y="0"/>
+          <a:chExt cx="0" cy="0"/>
+        </a:xfrm>
+      </p:grpSpPr>
+      <p:sp>
+        <p:nvSpPr>
+          <p:cNvPr id="2" name="内容占位符 1"/>
+          <p:cNvSpPr>
+            <a:spLocks noGrp="1"/>
+          </p:cNvSpPr>
+          <p:nvPr>
+            <p:ph idx="1"/>
+          </p:nvPr>
+        </p:nvSpPr>
+        <p:spPr>
+          <a:xfrm>
+            <a:off x="833120" y="2180590"/>
+            <a:ext cx="5115560" cy="3678555"/>
+          </a:xfrm>
+        </p:spPr>
+        <p:txBody>
+          <a:bodyPr/>
+          <a:lstStyle/>
+          <a:p>
+            <a:pPr>
+              <a:buFont typeface="Arial" panose="02080604020202020204" pitchFamily="34" charset="0"/>
+              <a:buChar char="•"/>
+            </a:pPr>
+            <a:r>
+              <a:rPr kumimoji="1" lang="en-US" altLang="zh-CN" dirty="0"/>
+              <a:t>endpoint</a:t>
+            </a:r>
+            <a:endParaRPr kumimoji="1" lang="en-US" altLang="zh-CN" dirty="0"/>
+          </a:p>
+          <a:p>
+            <a:pPr lvl="1">
+              <a:buFont typeface="Arial" panose="02080604020202020204" pitchFamily="34" charset="0"/>
+              <a:buChar char="•"/>
+            </a:pPr>
+            <a:r>
+              <a:rPr kumimoji="1" lang="zh-CN" altLang="en-US" dirty="0"/>
+              <a:t>实现了阻塞发送、非阻塞发送两种通信方式，可以通过预留的消息寄存器高效的进行进程间通信，两种通信方式经测试均能正确运行。</a:t>
+            </a:r>
+            <a:endParaRPr kumimoji="1" lang="zh-CN" altLang="en-US" dirty="0"/>
+          </a:p>
+          <a:p>
+            <a:pPr lvl="1">
+              <a:buFont typeface="Arial" panose="02080604020202020204" pitchFamily="34" charset="0"/>
+              <a:buChar char="•"/>
+            </a:pPr>
+            <a:r>
+              <a:rPr kumimoji="1" lang="zh-CN" altLang="en-US" dirty="0"/>
+              <a:t>支持线程间</a:t>
+            </a:r>
+            <a:r>
+              <a:rPr kumimoji="1" lang="en-US" altLang="zh-CN" dirty="0"/>
+              <a:t>capability</a:t>
+            </a:r>
+            <a:r>
+              <a:rPr kumimoji="1" lang="zh-CN" altLang="en-US" dirty="0"/>
+              <a:t>的传递。</a:t>
+            </a:r>
+            <a:endParaRPr kumimoji="1" lang="zh-CN" altLang="en-US" dirty="0"/>
+          </a:p>
+          <a:p>
+            <a:pPr lvl="1">
+              <a:buFont typeface="Arial" panose="02080604020202020204" pitchFamily="34" charset="0"/>
+              <a:buChar char="•"/>
+            </a:pPr>
+            <a:r>
+              <a:rPr kumimoji="1" lang="en-US" altLang="zh-CN" dirty="0"/>
+              <a:t>demo</a:t>
+            </a:r>
+            <a:r>
+              <a:rPr kumimoji="1" lang="zh-CN" altLang="en-US" dirty="0"/>
+              <a:t>演示</a:t>
+            </a:r>
+            <a:endParaRPr kumimoji="1" lang="zh-CN" altLang="en-US" dirty="0"/>
+          </a:p>
+          <a:p>
+            <a:pPr lvl="0">
+              <a:buFont typeface="Arial" panose="02080604020202020204" pitchFamily="34" charset="0"/>
+              <a:buChar char="•"/>
+            </a:pPr>
+            <a:r>
+              <a:rPr kumimoji="1" lang="en-US" altLang="zh-CN" dirty="0"/>
+              <a:t>notification</a:t>
+            </a:r>
+            <a:endParaRPr kumimoji="1" lang="en-US" altLang="zh-CN" dirty="0"/>
+          </a:p>
+          <a:p>
+            <a:pPr lvl="1">
+              <a:buFont typeface="Arial" panose="02080604020202020204" pitchFamily="34" charset="0"/>
+              <a:buChar char="•"/>
+            </a:pPr>
+            <a:r>
+              <a:rPr kumimoji="1" lang="zh-CN" altLang="en-US" dirty="0"/>
+              <a:t>支持异步的传递信号（该部分代码已完成，尚未进行测试）</a:t>
+            </a:r>
+            <a:endParaRPr kumimoji="1" lang="zh-CN" altLang="en-US" dirty="0"/>
+          </a:p>
+        </p:txBody>
+      </p:sp>
+      <p:sp>
+        <p:nvSpPr>
+          <p:cNvPr id="3" name="标题 2"/>
+          <p:cNvSpPr>
+            <a:spLocks noGrp="1"/>
+          </p:cNvSpPr>
+          <p:nvPr>
+            <p:ph type="title"/>
+          </p:nvPr>
+        </p:nvSpPr>
+        <p:spPr/>
+        <p:txBody>
+          <a:bodyPr/>
+          <a:lstStyle/>
+          <a:p>
+            <a:r>
+              <a:rPr kumimoji="1" lang="zh-CN" altLang="en-US" dirty="0"/>
+              <a:t>进程间通信</a:t>
+            </a:r>
+            <a:endParaRPr kumimoji="1" lang="zh-CN" altLang="en-US" dirty="0"/>
+          </a:p>
+        </p:txBody>
+      </p:sp>
+      <p:pic>
+        <p:nvPicPr>
+          <p:cNvPr id="4" name="Picture 3" descr="demo.drawio"/>
+          <p:cNvPicPr>
+            <a:picLocks noChangeAspect="1"/>
+          </p:cNvPicPr>
+          <p:nvPr/>
+        </p:nvPicPr>
+        <p:blipFill>
+          <a:blip r:embed="rId1"/>
+          <a:stretch>
+            <a:fillRect/>
+          </a:stretch>
+        </p:blipFill>
+        <p:spPr>
+          <a:xfrm>
+            <a:off x="7545705" y="1035685"/>
+            <a:ext cx="4019550" cy="4448175"/>
           </a:xfrm>
           <a:prstGeom prst="rect">
             <a:avLst/>

--- a/record/中期答辩——李龙昊.pptx
+++ b/record/中期答辩——李龙昊.pptx
@@ -5131,6 +5131,22 @@
             <a:pPr lvl="1"/>
             <a:r>
               <a:rPr kumimoji="1" lang="zh-CN" altLang="en-US" dirty="0"/>
+              <a:t>修改地址空间</a:t>
+            </a:r>
+            <a:r>
+              <a:rPr kumimoji="1" lang="en-US" altLang="zh-CN" dirty="0"/>
+              <a:t>;</a:t>
+            </a:r>
+            <a:r>
+              <a:rPr kumimoji="1" lang="zh-CN" altLang="en-US" dirty="0"/>
+              <a:t>测试</a:t>
+            </a:r>
+            <a:r>
+              <a:rPr kumimoji="1" lang="en-US" altLang="zh-CN" dirty="0"/>
+              <a:t>notification;</a:t>
+            </a:r>
+            <a:r>
+              <a:rPr kumimoji="1" lang="zh-CN" altLang="en-US" dirty="0"/>
               <a:t>更改启动方式，添加系统调用</a:t>
             </a:r>
             <a:endParaRPr kumimoji="1" lang="en-US" altLang="zh-CN" dirty="0"/>
@@ -5405,10 +5421,12 @@
               <a:buChar char="•"/>
             </a:pPr>
             <a:r>
-              <a:rPr kumimoji="1" lang="zh-CN" altLang="en-US" dirty="0"/>
-              <a:t>虚拟地址空间</a:t>
-            </a:r>
-            <a:endParaRPr kumimoji="1" lang="zh-CN" altLang="en-US" dirty="0"/>
+              <a:rPr kumimoji="1" lang="zh-CN" altLang="en-US" dirty="0">
+                <a:sym typeface="+mn-ea"/>
+              </a:rPr>
+              <a:t>进程间通信</a:t>
+            </a:r>
+            <a:endParaRPr kumimoji="1" lang="en-US" altLang="zh-CN" dirty="0"/>
           </a:p>
           <a:p>
             <a:pPr lvl="1">
@@ -5417,7 +5435,7 @@
             </a:pPr>
             <a:r>
               <a:rPr kumimoji="1" lang="zh-CN" altLang="en-US" dirty="0"/>
-              <a:t>进程间通信</a:t>
+              <a:t>虚拟地址空间</a:t>
             </a:r>
             <a:endParaRPr kumimoji="1" lang="zh-CN" altLang="en-US" dirty="0"/>
           </a:p>
@@ -5433,13 +5451,13 @@
             <a:endParaRPr kumimoji="1" lang="zh-CN" altLang="en-US" dirty="0"/>
           </a:p>
           <a:p>
-            <a:pPr>
+            <a:pPr lvl="1">
               <a:buFont typeface="Arial" panose="02080604020202020204" pitchFamily="34" charset="0"/>
               <a:buChar char="•"/>
             </a:pPr>
             <a:r>
               <a:rPr kumimoji="1" lang="zh-CN" altLang="en-US" dirty="0"/>
-              <a:t>实现一个可以运行的应用程序环境供内核测试</a:t>
+              <a:t>调度</a:t>
             </a:r>
             <a:endParaRPr kumimoji="1" lang="zh-CN" altLang="en-US" dirty="0"/>
           </a:p>
@@ -6025,7 +6043,7 @@
             </a:pPr>
             <a:r>
               <a:rPr lang="en-US" altLang="zh-CN"/>
-              <a:t>capability space </a:t>
+              <a:t>capability space(CSpace) </a:t>
             </a:r>
             <a:r>
               <a:rPr lang="zh-CN" altLang="en-US"/>
@@ -6059,7 +6077,7 @@
             </a:pPr>
             <a:r>
               <a:rPr lang="zh-CN" altLang="en-US"/>
-              <a:t>管理派生关系，维护双向链表</a:t>
+              <a:t>管理派生关系，维护双向链表的函数</a:t>
             </a:r>
             <a:endParaRPr lang="en-US" altLang="zh-CN"/>
           </a:p>
@@ -6083,6 +6101,10 @@
             <a:r>
               <a:rPr lang="en-US" altLang="zh-CN"/>
               <a:t>capability</a:t>
+            </a:r>
+            <a:r>
+              <a:rPr lang="zh-CN" altLang="en-US"/>
+              <a:t>的函数</a:t>
             </a:r>
             <a:endParaRPr lang="en-US" altLang="zh-CN"/>
           </a:p>
@@ -6150,7 +6172,7 @@
         </p:blipFill>
         <p:spPr>
           <a:xfrm>
-            <a:off x="6360160" y="1014730"/>
+            <a:off x="6654165" y="873760"/>
             <a:ext cx="3314700" cy="1165860"/>
           </a:xfrm>
           <a:prstGeom prst="rect">
@@ -6174,7 +6196,7 @@
         </p:blipFill>
         <p:spPr>
           <a:xfrm>
-            <a:off x="6360160" y="2576195"/>
+            <a:off x="1062355" y="5234305"/>
             <a:ext cx="4053840" cy="1337310"/>
           </a:xfrm>
           <a:prstGeom prst="rect">
@@ -6184,7 +6206,7 @@
       </p:pic>
       <p:pic>
         <p:nvPicPr>
-          <p:cNvPr id="10" name="Picture 9"/>
+          <p:cNvPr id="5" name="Picture 4"/>
           <p:cNvPicPr>
             <a:picLocks noChangeAspect="1"/>
           </p:cNvPicPr>
@@ -6198,8 +6220,8 @@
         </p:blipFill>
         <p:spPr>
           <a:xfrm>
-            <a:off x="6360160" y="4186555"/>
-            <a:ext cx="4704715" cy="1339215"/>
+            <a:off x="6584950" y="2327910"/>
+            <a:ext cx="3575050" cy="3677920"/>
           </a:xfrm>
           <a:prstGeom prst="rect">
             <a:avLst/>
@@ -6256,12 +6278,63 @@
               <a:buChar char="•"/>
             </a:pPr>
             <a:r>
+              <a:rPr kumimoji="1" lang="zh-CN" altLang="en-US" dirty="0"/>
+              <a:t>页表交由</a:t>
+            </a:r>
+            <a:r>
+              <a:rPr kumimoji="1" lang="en-US" altLang="zh-CN" dirty="0"/>
+              <a:t>frame_cap</a:t>
+            </a:r>
+            <a:r>
+              <a:rPr kumimoji="1" lang="zh-CN" altLang="en-US" dirty="0"/>
+              <a:t>管理，</a:t>
+            </a:r>
+            <a:r>
+              <a:rPr kumimoji="1" lang="en-US" altLang="zh-CN" dirty="0"/>
+              <a:t>map</a:t>
+            </a:r>
+            <a:r>
+              <a:rPr kumimoji="1" lang="zh-CN" altLang="en-US" dirty="0"/>
+              <a:t>一个虚拟地址的同时会向用户</a:t>
+            </a:r>
+            <a:r>
+              <a:rPr kumimoji="1" lang="en-US" altLang="zh-CN" dirty="0"/>
+              <a:t>CSpace</a:t>
+            </a:r>
+            <a:r>
+              <a:rPr kumimoji="1" lang="zh-CN" altLang="en-US" dirty="0"/>
+              <a:t>中插入对应的</a:t>
+            </a:r>
+            <a:r>
+              <a:rPr kumimoji="1" lang="en-US" altLang="zh-CN" dirty="0"/>
+              <a:t>frame cap</a:t>
+            </a:r>
+            <a:r>
+              <a:rPr kumimoji="1" lang="zh-CN" altLang="en-US" dirty="0"/>
+              <a:t>。</a:t>
+            </a:r>
+            <a:r>
               <a:rPr kumimoji="1" lang="en-US" altLang="zh-CN" dirty="0"/>
               <a:t> </a:t>
             </a:r>
+            <a:endParaRPr kumimoji="1" lang="en-US" altLang="zh-CN" dirty="0"/>
+          </a:p>
+          <a:p>
+            <a:pPr marL="0" indent="0">
+              <a:buFont typeface="Arial" panose="02080604020202020204" pitchFamily="34" charset="0"/>
+              <a:buChar char="•"/>
+            </a:pPr>
             <a:r>
               <a:rPr kumimoji="1" lang="zh-CN" altLang="en-US" dirty="0"/>
-              <a:t>物理地址与虚拟地址切换问题</a:t>
+              <a:t>物理地址与虚拟地址切换问题，地址空间设计与</a:t>
+            </a:r>
+            <a:r>
+              <a:rPr kumimoji="1" lang="en-US" altLang="zh-CN" dirty="0"/>
+              <a:t>sel4</a:t>
+            </a:r>
+            <a:r>
+              <a:rPr kumimoji="1" lang="zh-CN" altLang="en-US" dirty="0"/>
+              <a:t>不同。</a:t>
             </a:r>
             <a:endParaRPr kumimoji="1" lang="zh-CN" altLang="en-US" dirty="0"/>
           </a:p>
@@ -6306,7 +6379,7 @@
         </p:blipFill>
         <p:spPr>
           <a:xfrm>
-            <a:off x="951230" y="2392045"/>
+            <a:off x="950595" y="3306445"/>
             <a:ext cx="4959985" cy="3248025"/>
           </a:xfrm>
           <a:prstGeom prst="rect">

--- a/record/中期答辩——李龙昊.pptx
+++ b/record/中期答辩——李龙昊.pptx
@@ -19,8 +19,9 @@
     <p:sldId id="288" r:id="rId12"/>
     <p:sldId id="301" r:id="rId13"/>
     <p:sldId id="283" r:id="rId14"/>
-    <p:sldId id="302" r:id="rId15"/>
-    <p:sldId id="282" r:id="rId16"/>
+    <p:sldId id="307" r:id="rId15"/>
+    <p:sldId id="302" r:id="rId16"/>
+    <p:sldId id="282" r:id="rId17"/>
   </p:sldIdLst>
   <p:sldSz cx="12192000" cy="6858000"/>
   <p:notesSz cx="6858000" cy="9144000"/>
@@ -4967,32 +4968,6 @@
             </a:r>
             <a:endParaRPr kumimoji="1" lang="zh-CN" altLang="en-US" dirty="0"/>
           </a:p>
-          <a:p>
-            <a:pPr>
-              <a:buFont typeface="Arial" panose="02080604020202020204" pitchFamily="34" charset="0"/>
-              <a:buChar char="•"/>
-            </a:pPr>
-            <a:r>
-              <a:rPr kumimoji="1" lang="zh-CN" altLang="en-US" dirty="0"/>
-              <a:t>支持尽可能多的</a:t>
-            </a:r>
-            <a:r>
-              <a:rPr kumimoji="1" lang="en-US" altLang="zh-CN" dirty="0"/>
-              <a:t>sel4test</a:t>
-            </a:r>
-            <a:r>
-              <a:rPr kumimoji="1" lang="zh-CN" altLang="en-US" dirty="0"/>
-              <a:t>测例。</a:t>
-            </a:r>
-            <a:endParaRPr kumimoji="1" lang="en-US" altLang="zh-CN" dirty="0"/>
-          </a:p>
-          <a:p>
-            <a:pPr marL="0" indent="0">
-              <a:buFont typeface="Arial" panose="02080604020202020204" pitchFamily="34" charset="0"/>
-              <a:buNone/>
-            </a:pPr>
-            <a:endParaRPr kumimoji="1" lang="zh-CN" altLang="en-US" dirty="0"/>
-          </a:p>
         </p:txBody>
       </p:sp>
       <p:sp>
@@ -5103,78 +5078,21 @@
         </p:nvSpPr>
         <p:spPr>
           <a:xfrm>
-            <a:off x="835307" y="2048614"/>
-            <a:ext cx="10521387" cy="3678303"/>
+            <a:off x="833120" y="2180590"/>
+            <a:ext cx="4358640" cy="3678555"/>
           </a:xfrm>
         </p:spPr>
         <p:txBody>
-          <a:bodyPr>
-            <a:normAutofit/>
-          </a:bodyPr>
-          <a:lstStyle/>
-          <a:p>
+          <a:bodyPr/>
+          <a:lstStyle/>
+          <a:p>
+            <a:pPr>
+              <a:buFont typeface="Arial" panose="02080604020202020204" pitchFamily="34" charset="0"/>
+              <a:buChar char="•"/>
+            </a:pPr>
             <a:r>
               <a:rPr kumimoji="1" lang="zh-CN" altLang="en-US" dirty="0"/>
-              <a:t>中期</a:t>
-            </a:r>
-            <a:r>
-              <a:rPr kumimoji="1" lang="en-US" altLang="zh-CN" dirty="0"/>
-              <a:t>——9</a:t>
-            </a:r>
-            <a:r>
-              <a:rPr kumimoji="1" lang="zh-CN" altLang="en-US" dirty="0"/>
-              <a:t>周</a:t>
-            </a:r>
-            <a:endParaRPr kumimoji="1" lang="en-US" altLang="zh-CN" dirty="0"/>
-          </a:p>
-          <a:p>
-            <a:pPr lvl="1"/>
-            <a:r>
-              <a:rPr kumimoji="1" lang="zh-CN" altLang="en-US" dirty="0"/>
-              <a:t>修改地址空间</a:t>
-            </a:r>
-            <a:r>
-              <a:rPr kumimoji="1" lang="en-US" altLang="zh-CN" dirty="0"/>
-              <a:t>;</a:t>
-            </a:r>
-            <a:r>
-              <a:rPr kumimoji="1" lang="zh-CN" altLang="en-US" dirty="0"/>
-              <a:t>测试</a:t>
-            </a:r>
-            <a:r>
-              <a:rPr kumimoji="1" lang="en-US" altLang="zh-CN" dirty="0"/>
-              <a:t>notification;</a:t>
-            </a:r>
-            <a:r>
-              <a:rPr kumimoji="1" lang="zh-CN" altLang="en-US" dirty="0"/>
-              <a:t>更改启动方式，添加系统调用</a:t>
-            </a:r>
-            <a:endParaRPr kumimoji="1" lang="en-US" altLang="zh-CN" dirty="0"/>
-          </a:p>
-          <a:p>
-            <a:r>
-              <a:rPr kumimoji="1" lang="en-US" altLang="zh-CN" dirty="0"/>
-              <a:t>10</a:t>
-            </a:r>
-            <a:r>
-              <a:rPr kumimoji="1" lang="zh-CN" altLang="en-US" dirty="0"/>
-              <a:t>周</a:t>
-            </a:r>
-            <a:r>
-              <a:rPr kumimoji="1" lang="en-US" altLang="zh-CN" dirty="0"/>
-              <a:t>——15</a:t>
-            </a:r>
-            <a:r>
-              <a:rPr kumimoji="1" lang="zh-CN" altLang="en-US" dirty="0"/>
-              <a:t>周</a:t>
-            </a:r>
-            <a:endParaRPr kumimoji="1" lang="en-US" altLang="zh-CN" dirty="0"/>
-          </a:p>
-          <a:p>
-            <a:pPr lvl="1"/>
-            <a:r>
-              <a:rPr kumimoji="1" lang="zh-CN" altLang="en-US" dirty="0"/>
-              <a:t>使内核支持尽可能多的</a:t>
+              <a:t>支持尽可能多的</a:t>
             </a:r>
             <a:r>
               <a:rPr kumimoji="1" lang="en-US" altLang="zh-CN" dirty="0"/>
@@ -5184,41 +5102,126 @@
               <a:rPr kumimoji="1" lang="zh-CN" altLang="en-US" dirty="0"/>
               <a:t>测例</a:t>
             </a:r>
+            <a:endParaRPr kumimoji="1" lang="zh-CN" altLang="en-US" dirty="0"/>
+          </a:p>
+          <a:p>
+            <a:pPr lvl="1">
+              <a:buFont typeface="Arial" panose="02080604020202020204" pitchFamily="34" charset="0"/>
+              <a:buChar char="•"/>
+            </a:pPr>
+            <a:r>
+              <a:rPr kumimoji="1" lang="zh-CN" altLang="en-US" sz="1600" dirty="0"/>
+              <a:t>用</a:t>
+            </a:r>
+            <a:r>
+              <a:rPr kumimoji="1" lang="en-US" altLang="zh-CN" sz="1600" dirty="0"/>
+              <a:t>rust</a:t>
+            </a:r>
+            <a:r>
+              <a:rPr kumimoji="1" lang="zh-CN" altLang="en-US" sz="1600" dirty="0"/>
+              <a:t>在自己搭建的用户环境中复现</a:t>
+            </a:r>
+            <a:r>
+              <a:rPr kumimoji="1" lang="en-US" altLang="zh-CN" sz="1600" dirty="0"/>
+              <a:t>sel4test</a:t>
+            </a:r>
+            <a:r>
+              <a:rPr kumimoji="1" lang="zh-CN" altLang="en-US" sz="1600" dirty="0"/>
+              <a:t>测例。</a:t>
+            </a:r>
+            <a:endParaRPr kumimoji="1" lang="zh-CN" altLang="en-US" dirty="0"/>
+          </a:p>
+          <a:p>
+            <a:pPr lvl="1">
+              <a:buFont typeface="Arial" panose="02080604020202020204" pitchFamily="34" charset="0"/>
+              <a:buChar char="•"/>
+            </a:pPr>
+            <a:r>
+              <a:rPr kumimoji="1" lang="en-US" altLang="zh-CN" dirty="0"/>
+              <a:t>sel4</a:t>
+            </a:r>
+            <a:r>
+              <a:rPr kumimoji="1" lang="zh-CN" altLang="en-US" dirty="0"/>
+              <a:t>内核中对系统调用做了一层封装，</a:t>
+            </a:r>
+            <a:r>
+              <a:rPr kumimoji="1" lang="en-US" altLang="zh-CN" dirty="0"/>
+              <a:t>sel4test</a:t>
+            </a:r>
+            <a:r>
+              <a:rPr kumimoji="1" lang="zh-CN" altLang="en-US" dirty="0"/>
+              <a:t>的依赖库中会使用这层封装，将封装分离后单独编译</a:t>
+            </a:r>
+            <a:r>
+              <a:rPr kumimoji="1" lang="en-US" altLang="zh-CN" dirty="0"/>
+              <a:t>sel4test</a:t>
+            </a:r>
+            <a:r>
+              <a:rPr kumimoji="1" lang="zh-CN" altLang="en-US" dirty="0"/>
+              <a:t>，加载进入内核执行。</a:t>
+            </a:r>
             <a:endParaRPr kumimoji="1" lang="en-US" altLang="zh-CN" dirty="0"/>
           </a:p>
           <a:p>
-            <a:pPr lvl="1"/>
+            <a:pPr marL="0" indent="0">
+              <a:buFont typeface="Arial" panose="02080604020202020204" pitchFamily="34" charset="0"/>
+              <a:buNone/>
+            </a:pPr>
+            <a:endParaRPr kumimoji="1" lang="zh-CN" altLang="en-US" dirty="0"/>
+          </a:p>
+        </p:txBody>
+      </p:sp>
+      <p:sp>
+        <p:nvSpPr>
+          <p:cNvPr id="3" name="标题 2"/>
+          <p:cNvSpPr>
+            <a:spLocks noGrp="1"/>
+          </p:cNvSpPr>
+          <p:nvPr>
+            <p:ph type="title"/>
+          </p:nvPr>
+        </p:nvSpPr>
+        <p:spPr/>
+        <p:txBody>
+          <a:bodyPr/>
+          <a:lstStyle/>
+          <a:p>
             <a:r>
               <a:rPr kumimoji="1" lang="zh-CN" altLang="en-US" dirty="0"/>
-              <a:t>撰写论文</a:t>
-            </a:r>
-            <a:endParaRPr kumimoji="1" lang="en-US" altLang="zh-CN" dirty="0"/>
-          </a:p>
-        </p:txBody>
-      </p:sp>
-      <p:sp>
-        <p:nvSpPr>
-          <p:cNvPr id="3" name="标题 2"/>
-          <p:cNvSpPr>
-            <a:spLocks noGrp="1"/>
-          </p:cNvSpPr>
-          <p:nvPr>
-            <p:ph type="title"/>
-          </p:nvPr>
-        </p:nvSpPr>
-        <p:spPr/>
-        <p:txBody>
-          <a:bodyPr/>
-          <a:lstStyle/>
-          <a:p>
-            <a:r>
-              <a:rPr kumimoji="1" lang="zh-CN" altLang="en-US" dirty="0"/>
-              <a:t>后续规划</a:t>
+              <a:t>后续工作</a:t>
             </a:r>
             <a:endParaRPr kumimoji="1" lang="zh-CN" altLang="en-US" dirty="0"/>
           </a:p>
         </p:txBody>
       </p:sp>
+      <p:pic>
+        <p:nvPicPr>
+          <p:cNvPr id="5" name="图片 3"/>
+          <p:cNvPicPr>
+            <a:picLocks noChangeAspect="1"/>
+          </p:cNvPicPr>
+          <p:nvPr>
+            <p:custDataLst>
+              <p:tags r:id="rId1"/>
+            </p:custDataLst>
+          </p:nvPr>
+        </p:nvPicPr>
+        <p:blipFill>
+          <a:blip r:embed="rId2"/>
+          <a:stretch>
+            <a:fillRect/>
+          </a:stretch>
+        </p:blipFill>
+        <p:spPr>
+          <a:xfrm>
+            <a:off x="6055995" y="2136140"/>
+            <a:ext cx="4389120" cy="2217420"/>
+          </a:xfrm>
+          <a:prstGeom prst="rect">
+            <a:avLst/>
+          </a:prstGeom>
+        </p:spPr>
+      </p:pic>
     </p:spTree>
   </p:cSld>
   <p:clrMapOvr>
@@ -5246,6 +5249,159 @@
       </p:grpSpPr>
       <p:sp>
         <p:nvSpPr>
+          <p:cNvPr id="2" name="内容占位符 1"/>
+          <p:cNvSpPr>
+            <a:spLocks noGrp="1"/>
+          </p:cNvSpPr>
+          <p:nvPr>
+            <p:ph idx="1"/>
+          </p:nvPr>
+        </p:nvSpPr>
+        <p:spPr>
+          <a:xfrm>
+            <a:off x="835307" y="2048614"/>
+            <a:ext cx="10521387" cy="3678303"/>
+          </a:xfrm>
+        </p:spPr>
+        <p:txBody>
+          <a:bodyPr>
+            <a:normAutofit/>
+          </a:bodyPr>
+          <a:lstStyle/>
+          <a:p>
+            <a:r>
+              <a:rPr kumimoji="1" lang="zh-CN" altLang="en-US" dirty="0"/>
+              <a:t>中期</a:t>
+            </a:r>
+            <a:r>
+              <a:rPr kumimoji="1" lang="en-US" altLang="zh-CN" dirty="0"/>
+              <a:t>——9</a:t>
+            </a:r>
+            <a:r>
+              <a:rPr kumimoji="1" lang="zh-CN" altLang="en-US" dirty="0"/>
+              <a:t>周</a:t>
+            </a:r>
+            <a:endParaRPr kumimoji="1" lang="en-US" altLang="zh-CN" dirty="0"/>
+          </a:p>
+          <a:p>
+            <a:pPr lvl="1"/>
+            <a:r>
+              <a:rPr kumimoji="1" lang="zh-CN" altLang="en-US" dirty="0"/>
+              <a:t>修改地址空间</a:t>
+            </a:r>
+            <a:r>
+              <a:rPr kumimoji="1" lang="en-US" altLang="zh-CN" dirty="0"/>
+              <a:t>;</a:t>
+            </a:r>
+            <a:r>
+              <a:rPr kumimoji="1" lang="zh-CN" altLang="en-US" dirty="0"/>
+              <a:t>测试</a:t>
+            </a:r>
+            <a:r>
+              <a:rPr kumimoji="1" lang="en-US" altLang="zh-CN" dirty="0"/>
+              <a:t>notification;</a:t>
+            </a:r>
+            <a:r>
+              <a:rPr kumimoji="1" lang="zh-CN" altLang="en-US" dirty="0"/>
+              <a:t>更改启动方式，添加系统调用</a:t>
+            </a:r>
+            <a:endParaRPr kumimoji="1" lang="en-US" altLang="zh-CN" dirty="0"/>
+          </a:p>
+          <a:p>
+            <a:r>
+              <a:rPr kumimoji="1" lang="en-US" altLang="zh-CN" dirty="0"/>
+              <a:t>10</a:t>
+            </a:r>
+            <a:r>
+              <a:rPr kumimoji="1" lang="zh-CN" altLang="en-US" dirty="0"/>
+              <a:t>周</a:t>
+            </a:r>
+            <a:r>
+              <a:rPr kumimoji="1" lang="en-US" altLang="zh-CN" dirty="0"/>
+              <a:t>——15</a:t>
+            </a:r>
+            <a:r>
+              <a:rPr kumimoji="1" lang="zh-CN" altLang="en-US" dirty="0"/>
+              <a:t>周</a:t>
+            </a:r>
+            <a:endParaRPr kumimoji="1" lang="en-US" altLang="zh-CN" dirty="0"/>
+          </a:p>
+          <a:p>
+            <a:pPr lvl="1"/>
+            <a:r>
+              <a:rPr kumimoji="1" lang="zh-CN" altLang="en-US" dirty="0"/>
+              <a:t>使内核支持尽可能多的</a:t>
+            </a:r>
+            <a:r>
+              <a:rPr kumimoji="1" lang="en-US" altLang="zh-CN" dirty="0"/>
+              <a:t>sel4test</a:t>
+            </a:r>
+            <a:r>
+              <a:rPr kumimoji="1" lang="zh-CN" altLang="en-US" dirty="0"/>
+              <a:t>测例</a:t>
+            </a:r>
+            <a:endParaRPr kumimoji="1" lang="en-US" altLang="zh-CN" dirty="0"/>
+          </a:p>
+          <a:p>
+            <a:pPr lvl="1"/>
+            <a:r>
+              <a:rPr kumimoji="1" lang="zh-CN" altLang="en-US" dirty="0"/>
+              <a:t>撰写论文</a:t>
+            </a:r>
+            <a:endParaRPr kumimoji="1" lang="en-US" altLang="zh-CN" dirty="0"/>
+          </a:p>
+        </p:txBody>
+      </p:sp>
+      <p:sp>
+        <p:nvSpPr>
+          <p:cNvPr id="3" name="标题 2"/>
+          <p:cNvSpPr>
+            <a:spLocks noGrp="1"/>
+          </p:cNvSpPr>
+          <p:nvPr>
+            <p:ph type="title"/>
+          </p:nvPr>
+        </p:nvSpPr>
+        <p:spPr/>
+        <p:txBody>
+          <a:bodyPr/>
+          <a:lstStyle/>
+          <a:p>
+            <a:r>
+              <a:rPr kumimoji="1" lang="zh-CN" altLang="en-US" dirty="0"/>
+              <a:t>后续规划</a:t>
+            </a:r>
+            <a:endParaRPr kumimoji="1" lang="zh-CN" altLang="en-US" dirty="0"/>
+          </a:p>
+        </p:txBody>
+      </p:sp>
+    </p:spTree>
+  </p:cSld>
+  <p:clrMapOvr>
+    <a:masterClrMapping/>
+  </p:clrMapOvr>
+</p:sld>
+</file>
+
+<file path=ppt/slides/slide14.xml><?xml version="1.0" encoding="utf-8"?>
+<p:sld xmlns:a="http://schemas.openxmlformats.org/drawingml/2006/main" xmlns:r="http://schemas.openxmlformats.org/officeDocument/2006/relationships" xmlns:p="http://schemas.openxmlformats.org/presentationml/2006/main">
+  <p:cSld>
+    <p:spTree>
+      <p:nvGrpSpPr>
+        <p:cNvPr id="1" name=""/>
+        <p:cNvGrpSpPr/>
+        <p:nvPr/>
+      </p:nvGrpSpPr>
+      <p:grpSpPr>
+        <a:xfrm>
+          <a:off x="0" y="0"/>
+          <a:ext cx="0" cy="0"/>
+          <a:chOff x="0" y="0"/>
+          <a:chExt cx="0" cy="0"/>
+        </a:xfrm>
+      </p:grpSpPr>
+      <p:sp>
+        <p:nvSpPr>
           <p:cNvPr id="4" name="标题 3"/>
           <p:cNvSpPr>
             <a:spLocks noGrp="1"/>
@@ -5907,7 +6063,7 @@
             </a:r>
             <a:r>
               <a:rPr lang="en-US" altLang="zh-CN" sz="1600"/>
-              <a:t>send recv</a:t>
+              <a:t>send recv NbSend</a:t>
             </a:r>
             <a:r>
               <a:rPr lang="zh-CN" altLang="en-US" sz="1600"/>
@@ -6088,7 +6244,7 @@
             </a:pPr>
             <a:r>
               <a:rPr lang="zh-CN" altLang="en-US"/>
-              <a:t>根据指针在</a:t>
+              <a:t>根据索引在</a:t>
             </a:r>
             <a:r>
               <a:rPr lang="en-US" altLang="zh-CN"/>
@@ -6172,7 +6328,7 @@
         </p:blipFill>
         <p:spPr>
           <a:xfrm>
-            <a:off x="6654165" y="873760"/>
+            <a:off x="1167765" y="5293360"/>
             <a:ext cx="3314700" cy="1165860"/>
           </a:xfrm>
           <a:prstGeom prst="rect">
@@ -6196,7 +6352,7 @@
         </p:blipFill>
         <p:spPr>
           <a:xfrm>
-            <a:off x="1062355" y="5234305"/>
+            <a:off x="6676390" y="923925"/>
             <a:ext cx="4053840" cy="1337310"/>
           </a:xfrm>
           <a:prstGeom prst="rect">
@@ -6278,24 +6434,12 @@
               <a:buChar char="•"/>
             </a:pPr>
             <a:r>
-              <a:rPr kumimoji="1" lang="zh-CN" altLang="en-US" dirty="0"/>
-              <a:t>页表交由</a:t>
-            </a:r>
-            <a:r>
-              <a:rPr kumimoji="1" lang="en-US" altLang="zh-CN" dirty="0"/>
-              <a:t>frame_cap</a:t>
-            </a:r>
-            <a:r>
-              <a:rPr kumimoji="1" lang="zh-CN" altLang="en-US" dirty="0"/>
-              <a:t>管理，</a:t>
-            </a:r>
-            <a:r>
               <a:rPr kumimoji="1" lang="en-US" altLang="zh-CN" dirty="0"/>
               <a:t>map</a:t>
             </a:r>
             <a:r>
               <a:rPr kumimoji="1" lang="zh-CN" altLang="en-US" dirty="0"/>
-              <a:t>一个虚拟地址的同时会向用户</a:t>
+              <a:t>一个虚拟地址的同时会向用户程序</a:t>
             </a:r>
             <a:r>
               <a:rPr kumimoji="1" lang="en-US" altLang="zh-CN" dirty="0"/>
@@ -6411,6 +6555,30 @@
           </a:prstGeom>
         </p:spPr>
       </p:pic>
+      <p:pic>
+        <p:nvPicPr>
+          <p:cNvPr id="4" name="Picture 3"/>
+          <p:cNvPicPr>
+            <a:picLocks noChangeAspect="1"/>
+          </p:cNvPicPr>
+          <p:nvPr/>
+        </p:nvPicPr>
+        <p:blipFill>
+          <a:blip r:embed="rId3"/>
+          <a:stretch>
+            <a:fillRect/>
+          </a:stretch>
+        </p:blipFill>
+        <p:spPr>
+          <a:xfrm>
+            <a:off x="1237615" y="3031490"/>
+            <a:ext cx="3263900" cy="274955"/>
+          </a:xfrm>
+          <a:prstGeom prst="rect">
+            <a:avLst/>
+          </a:prstGeom>
+        </p:spPr>
+      </p:pic>
     </p:spTree>
   </p:cSld>
   <p:clrMapOvr>
@@ -6529,7 +6697,7 @@
             </a:pPr>
             <a:r>
               <a:rPr kumimoji="1" lang="zh-CN" altLang="en-US" dirty="0"/>
-              <a:t>支持异步的传递信号（该部分代码已完成，尚未进行测试）</a:t>
+              <a:t>支持异步的信号传递功能（该部分代码已完成，尚未进行测试）</a:t>
             </a:r>
             <a:endParaRPr kumimoji="1" lang="zh-CN" altLang="en-US" dirty="0"/>
           </a:p>
@@ -6588,6 +6756,12 @@
     <a:masterClrMapping/>
   </p:clrMapOvr>
 </p:sld>
+</file>
+
+<file path=ppt/tags/tag1.xml><?xml version="1.0" encoding="utf-8"?>
+<p:tagLst xmlns:p="http://schemas.openxmlformats.org/presentationml/2006/main">
+  <p:tag name="KSO_WM_UNIT_PLACING_PICTURE_USER_VIEWPORT" val="{&quot;height&quot;:4820,&quot;width&quot;:9540}"/>
+</p:tagLst>
 </file>
 
 <file path=ppt/theme/theme1.xml><?xml version="1.0" encoding="utf-8"?>

--- a/record/中期答辩——李龙昊.pptx
+++ b/record/中期答辩——李龙昊.pptx
@@ -19,9 +19,8 @@
     <p:sldId id="288" r:id="rId12"/>
     <p:sldId id="301" r:id="rId13"/>
     <p:sldId id="283" r:id="rId14"/>
-    <p:sldId id="307" r:id="rId15"/>
-    <p:sldId id="302" r:id="rId16"/>
-    <p:sldId id="282" r:id="rId17"/>
+    <p:sldId id="302" r:id="rId15"/>
+    <p:sldId id="282" r:id="rId16"/>
   </p:sldIdLst>
   <p:sldSz cx="12192000" cy="6858000"/>
   <p:notesSz cx="6858000" cy="9144000"/>
@@ -4968,6 +4967,38 @@
             </a:r>
             <a:endParaRPr kumimoji="1" lang="zh-CN" altLang="en-US" dirty="0"/>
           </a:p>
+          <a:p>
+            <a:pPr>
+              <a:buFont typeface="Arial" panose="02080604020202020204" pitchFamily="34" charset="0"/>
+              <a:buChar char="•"/>
+            </a:pPr>
+            <a:r>
+              <a:rPr kumimoji="1" lang="zh-CN" altLang="en-US" dirty="0">
+                <a:sym typeface="+mn-ea"/>
+              </a:rPr>
+              <a:t>支持尽可能多的</a:t>
+            </a:r>
+            <a:r>
+              <a:rPr kumimoji="1" lang="en-US" altLang="zh-CN" dirty="0">
+                <a:sym typeface="+mn-ea"/>
+              </a:rPr>
+              <a:t>sel4test</a:t>
+            </a:r>
+            <a:r>
+              <a:rPr kumimoji="1" lang="zh-CN" altLang="en-US" dirty="0">
+                <a:sym typeface="+mn-ea"/>
+              </a:rPr>
+              <a:t>测例</a:t>
+            </a:r>
+            <a:endParaRPr kumimoji="1" lang="zh-CN" altLang="en-US" dirty="0"/>
+          </a:p>
+          <a:p>
+            <a:pPr>
+              <a:buFont typeface="Arial" panose="02080604020202020204" pitchFamily="34" charset="0"/>
+              <a:buChar char="•"/>
+            </a:pPr>
+            <a:endParaRPr kumimoji="1" lang="zh-CN" altLang="en-US" dirty="0"/>
+          </a:p>
         </p:txBody>
       </p:sp>
       <p:sp>
@@ -5078,150 +5109,126 @@
         </p:nvSpPr>
         <p:spPr>
           <a:xfrm>
-            <a:off x="833120" y="2180590"/>
-            <a:ext cx="4358640" cy="3678555"/>
+            <a:off x="835307" y="2048614"/>
+            <a:ext cx="10521387" cy="3678303"/>
           </a:xfrm>
         </p:spPr>
         <p:txBody>
+          <a:bodyPr>
+            <a:normAutofit/>
+          </a:bodyPr>
+          <a:lstStyle/>
+          <a:p>
+            <a:r>
+              <a:rPr kumimoji="1" lang="zh-CN" altLang="en-US" dirty="0"/>
+              <a:t>中期</a:t>
+            </a:r>
+            <a:r>
+              <a:rPr kumimoji="1" lang="en-US" altLang="zh-CN" dirty="0"/>
+              <a:t>——</a:t>
+            </a:r>
+            <a:r>
+              <a:rPr kumimoji="1" lang="x-none" altLang="en-US" dirty="0"/>
+              <a:t>10</a:t>
+            </a:r>
+            <a:r>
+              <a:rPr kumimoji="1" lang="zh-CN" altLang="en-US" dirty="0"/>
+              <a:t>周</a:t>
+            </a:r>
+            <a:endParaRPr kumimoji="1" lang="en-US" altLang="zh-CN" dirty="0"/>
+          </a:p>
+          <a:p>
+            <a:pPr lvl="1"/>
+            <a:r>
+              <a:rPr kumimoji="1" lang="zh-CN" altLang="en-US" dirty="0"/>
+              <a:t>修改地址空间</a:t>
+            </a:r>
+            <a:r>
+              <a:rPr kumimoji="1" lang="en-US" altLang="zh-CN" dirty="0"/>
+              <a:t>;</a:t>
+            </a:r>
+            <a:r>
+              <a:rPr kumimoji="1" lang="zh-CN" altLang="en-US" dirty="0"/>
+              <a:t>测试</a:t>
+            </a:r>
+            <a:r>
+              <a:rPr kumimoji="1" lang="en-US" altLang="zh-CN" dirty="0"/>
+              <a:t>notification;</a:t>
+            </a:r>
+            <a:r>
+              <a:rPr kumimoji="1" lang="zh-CN" altLang="en-US" dirty="0"/>
+              <a:t>更改启动方式，添加系统调用</a:t>
+            </a:r>
+            <a:endParaRPr kumimoji="1" lang="en-US" altLang="zh-CN" dirty="0"/>
+          </a:p>
+          <a:p>
+            <a:r>
+              <a:rPr kumimoji="1" lang="en-US" altLang="zh-CN" dirty="0"/>
+              <a:t>10</a:t>
+            </a:r>
+            <a:r>
+              <a:rPr kumimoji="1" lang="zh-CN" altLang="en-US" dirty="0"/>
+              <a:t>周</a:t>
+            </a:r>
+            <a:r>
+              <a:rPr kumimoji="1" lang="en-US" altLang="zh-CN" dirty="0"/>
+              <a:t>——15</a:t>
+            </a:r>
+            <a:r>
+              <a:rPr kumimoji="1" lang="zh-CN" altLang="en-US" dirty="0"/>
+              <a:t>周</a:t>
+            </a:r>
+            <a:endParaRPr kumimoji="1" lang="en-US" altLang="zh-CN" dirty="0"/>
+          </a:p>
+          <a:p>
+            <a:pPr lvl="1"/>
+            <a:r>
+              <a:rPr kumimoji="1" lang="zh-CN" altLang="en-US" dirty="0"/>
+              <a:t>使内核支持尽可能多的</a:t>
+            </a:r>
+            <a:r>
+              <a:rPr kumimoji="1" lang="en-US" altLang="zh-CN" dirty="0"/>
+              <a:t>sel4test</a:t>
+            </a:r>
+            <a:r>
+              <a:rPr kumimoji="1" lang="zh-CN" altLang="en-US" dirty="0"/>
+              <a:t>测例</a:t>
+            </a:r>
+            <a:endParaRPr kumimoji="1" lang="en-US" altLang="zh-CN" dirty="0"/>
+          </a:p>
+          <a:p>
+            <a:pPr lvl="1"/>
+            <a:r>
+              <a:rPr kumimoji="1" lang="zh-CN" altLang="en-US" dirty="0"/>
+              <a:t>撰写论文</a:t>
+            </a:r>
+            <a:endParaRPr kumimoji="1" lang="en-US" altLang="zh-CN" dirty="0"/>
+          </a:p>
+        </p:txBody>
+      </p:sp>
+      <p:sp>
+        <p:nvSpPr>
+          <p:cNvPr id="3" name="标题 2"/>
+          <p:cNvSpPr>
+            <a:spLocks noGrp="1"/>
+          </p:cNvSpPr>
+          <p:nvPr>
+            <p:ph type="title"/>
+          </p:nvPr>
+        </p:nvSpPr>
+        <p:spPr/>
+        <p:txBody>
           <a:bodyPr/>
           <a:lstStyle/>
           <a:p>
-            <a:pPr>
-              <a:buFont typeface="Arial" panose="02080604020202020204" pitchFamily="34" charset="0"/>
-              <a:buChar char="•"/>
-            </a:pPr>
             <a:r>
               <a:rPr kumimoji="1" lang="zh-CN" altLang="en-US" dirty="0"/>
-              <a:t>支持尽可能多的</a:t>
-            </a:r>
-            <a:r>
-              <a:rPr kumimoji="1" lang="en-US" altLang="zh-CN" dirty="0"/>
-              <a:t>sel4test</a:t>
-            </a:r>
-            <a:r>
-              <a:rPr kumimoji="1" lang="zh-CN" altLang="en-US" dirty="0"/>
-              <a:t>测例</a:t>
+              <a:t>后续规划</a:t>
             </a:r>
             <a:endParaRPr kumimoji="1" lang="zh-CN" altLang="en-US" dirty="0"/>
           </a:p>
-          <a:p>
-            <a:pPr lvl="1">
-              <a:buFont typeface="Arial" panose="02080604020202020204" pitchFamily="34" charset="0"/>
-              <a:buChar char="•"/>
-            </a:pPr>
-            <a:r>
-              <a:rPr kumimoji="1" lang="zh-CN" altLang="en-US" sz="1600" dirty="0"/>
-              <a:t>用</a:t>
-            </a:r>
-            <a:r>
-              <a:rPr kumimoji="1" lang="en-US" altLang="zh-CN" sz="1600" dirty="0"/>
-              <a:t>rust</a:t>
-            </a:r>
-            <a:r>
-              <a:rPr kumimoji="1" lang="zh-CN" altLang="en-US" sz="1600" dirty="0"/>
-              <a:t>在自己搭建的用户环境中复现</a:t>
-            </a:r>
-            <a:r>
-              <a:rPr kumimoji="1" lang="en-US" altLang="zh-CN" sz="1600" dirty="0"/>
-              <a:t>sel4test</a:t>
-            </a:r>
-            <a:r>
-              <a:rPr kumimoji="1" lang="zh-CN" altLang="en-US" sz="1600" dirty="0"/>
-              <a:t>测例。</a:t>
-            </a:r>
-            <a:endParaRPr kumimoji="1" lang="zh-CN" altLang="en-US" dirty="0"/>
-          </a:p>
-          <a:p>
-            <a:pPr lvl="1">
-              <a:buFont typeface="Arial" panose="02080604020202020204" pitchFamily="34" charset="0"/>
-              <a:buChar char="•"/>
-            </a:pPr>
-            <a:r>
-              <a:rPr kumimoji="1" lang="en-US" altLang="zh-CN" dirty="0"/>
-              <a:t>sel4</a:t>
-            </a:r>
-            <a:r>
-              <a:rPr kumimoji="1" lang="zh-CN" altLang="en-US" dirty="0"/>
-              <a:t>内核中对系统调用做了一层封装，</a:t>
-            </a:r>
-            <a:r>
-              <a:rPr kumimoji="1" lang="en-US" altLang="zh-CN" dirty="0"/>
-              <a:t>sel4test</a:t>
-            </a:r>
-            <a:r>
-              <a:rPr kumimoji="1" lang="zh-CN" altLang="en-US" dirty="0"/>
-              <a:t>的依赖库中会使用这层封装，将封装分离后单独编译</a:t>
-            </a:r>
-            <a:r>
-              <a:rPr kumimoji="1" lang="en-US" altLang="zh-CN" dirty="0"/>
-              <a:t>sel4test</a:t>
-            </a:r>
-            <a:r>
-              <a:rPr kumimoji="1" lang="zh-CN" altLang="en-US" dirty="0"/>
-              <a:t>，加载进入内核执行。</a:t>
-            </a:r>
-            <a:endParaRPr kumimoji="1" lang="en-US" altLang="zh-CN" dirty="0"/>
-          </a:p>
-          <a:p>
-            <a:pPr marL="0" indent="0">
-              <a:buFont typeface="Arial" panose="02080604020202020204" pitchFamily="34" charset="0"/>
-              <a:buNone/>
-            </a:pPr>
-            <a:endParaRPr kumimoji="1" lang="zh-CN" altLang="en-US" dirty="0"/>
-          </a:p>
-        </p:txBody>
-      </p:sp>
-      <p:sp>
-        <p:nvSpPr>
-          <p:cNvPr id="3" name="标题 2"/>
-          <p:cNvSpPr>
-            <a:spLocks noGrp="1"/>
-          </p:cNvSpPr>
-          <p:nvPr>
-            <p:ph type="title"/>
-          </p:nvPr>
-        </p:nvSpPr>
-        <p:spPr/>
-        <p:txBody>
-          <a:bodyPr/>
-          <a:lstStyle/>
-          <a:p>
-            <a:r>
-              <a:rPr kumimoji="1" lang="zh-CN" altLang="en-US" dirty="0"/>
-              <a:t>后续工作</a:t>
-            </a:r>
-            <a:endParaRPr kumimoji="1" lang="zh-CN" altLang="en-US" dirty="0"/>
-          </a:p>
-        </p:txBody>
-      </p:sp>
-      <p:pic>
-        <p:nvPicPr>
-          <p:cNvPr id="5" name="图片 3"/>
-          <p:cNvPicPr>
-            <a:picLocks noChangeAspect="1"/>
-          </p:cNvPicPr>
-          <p:nvPr>
-            <p:custDataLst>
-              <p:tags r:id="rId1"/>
-            </p:custDataLst>
-          </p:nvPr>
-        </p:nvPicPr>
-        <p:blipFill>
-          <a:blip r:embed="rId2"/>
-          <a:stretch>
-            <a:fillRect/>
-          </a:stretch>
-        </p:blipFill>
-        <p:spPr>
-          <a:xfrm>
-            <a:off x="6055995" y="2136140"/>
-            <a:ext cx="4389120" cy="2217420"/>
-          </a:xfrm>
-          <a:prstGeom prst="rect">
-            <a:avLst/>
-          </a:prstGeom>
-        </p:spPr>
-      </p:pic>
+        </p:txBody>
+      </p:sp>
     </p:spTree>
   </p:cSld>
   <p:clrMapOvr>
@@ -5249,159 +5256,6 @@
       </p:grpSpPr>
       <p:sp>
         <p:nvSpPr>
-          <p:cNvPr id="2" name="内容占位符 1"/>
-          <p:cNvSpPr>
-            <a:spLocks noGrp="1"/>
-          </p:cNvSpPr>
-          <p:nvPr>
-            <p:ph idx="1"/>
-          </p:nvPr>
-        </p:nvSpPr>
-        <p:spPr>
-          <a:xfrm>
-            <a:off x="835307" y="2048614"/>
-            <a:ext cx="10521387" cy="3678303"/>
-          </a:xfrm>
-        </p:spPr>
-        <p:txBody>
-          <a:bodyPr>
-            <a:normAutofit/>
-          </a:bodyPr>
-          <a:lstStyle/>
-          <a:p>
-            <a:r>
-              <a:rPr kumimoji="1" lang="zh-CN" altLang="en-US" dirty="0"/>
-              <a:t>中期</a:t>
-            </a:r>
-            <a:r>
-              <a:rPr kumimoji="1" lang="en-US" altLang="zh-CN" dirty="0"/>
-              <a:t>——9</a:t>
-            </a:r>
-            <a:r>
-              <a:rPr kumimoji="1" lang="zh-CN" altLang="en-US" dirty="0"/>
-              <a:t>周</a:t>
-            </a:r>
-            <a:endParaRPr kumimoji="1" lang="en-US" altLang="zh-CN" dirty="0"/>
-          </a:p>
-          <a:p>
-            <a:pPr lvl="1"/>
-            <a:r>
-              <a:rPr kumimoji="1" lang="zh-CN" altLang="en-US" dirty="0"/>
-              <a:t>修改地址空间</a:t>
-            </a:r>
-            <a:r>
-              <a:rPr kumimoji="1" lang="en-US" altLang="zh-CN" dirty="0"/>
-              <a:t>;</a:t>
-            </a:r>
-            <a:r>
-              <a:rPr kumimoji="1" lang="zh-CN" altLang="en-US" dirty="0"/>
-              <a:t>测试</a:t>
-            </a:r>
-            <a:r>
-              <a:rPr kumimoji="1" lang="en-US" altLang="zh-CN" dirty="0"/>
-              <a:t>notification;</a:t>
-            </a:r>
-            <a:r>
-              <a:rPr kumimoji="1" lang="zh-CN" altLang="en-US" dirty="0"/>
-              <a:t>更改启动方式，添加系统调用</a:t>
-            </a:r>
-            <a:endParaRPr kumimoji="1" lang="en-US" altLang="zh-CN" dirty="0"/>
-          </a:p>
-          <a:p>
-            <a:r>
-              <a:rPr kumimoji="1" lang="en-US" altLang="zh-CN" dirty="0"/>
-              <a:t>10</a:t>
-            </a:r>
-            <a:r>
-              <a:rPr kumimoji="1" lang="zh-CN" altLang="en-US" dirty="0"/>
-              <a:t>周</a:t>
-            </a:r>
-            <a:r>
-              <a:rPr kumimoji="1" lang="en-US" altLang="zh-CN" dirty="0"/>
-              <a:t>——15</a:t>
-            </a:r>
-            <a:r>
-              <a:rPr kumimoji="1" lang="zh-CN" altLang="en-US" dirty="0"/>
-              <a:t>周</a:t>
-            </a:r>
-            <a:endParaRPr kumimoji="1" lang="en-US" altLang="zh-CN" dirty="0"/>
-          </a:p>
-          <a:p>
-            <a:pPr lvl="1"/>
-            <a:r>
-              <a:rPr kumimoji="1" lang="zh-CN" altLang="en-US" dirty="0"/>
-              <a:t>使内核支持尽可能多的</a:t>
-            </a:r>
-            <a:r>
-              <a:rPr kumimoji="1" lang="en-US" altLang="zh-CN" dirty="0"/>
-              <a:t>sel4test</a:t>
-            </a:r>
-            <a:r>
-              <a:rPr kumimoji="1" lang="zh-CN" altLang="en-US" dirty="0"/>
-              <a:t>测例</a:t>
-            </a:r>
-            <a:endParaRPr kumimoji="1" lang="en-US" altLang="zh-CN" dirty="0"/>
-          </a:p>
-          <a:p>
-            <a:pPr lvl="1"/>
-            <a:r>
-              <a:rPr kumimoji="1" lang="zh-CN" altLang="en-US" dirty="0"/>
-              <a:t>撰写论文</a:t>
-            </a:r>
-            <a:endParaRPr kumimoji="1" lang="en-US" altLang="zh-CN" dirty="0"/>
-          </a:p>
-        </p:txBody>
-      </p:sp>
-      <p:sp>
-        <p:nvSpPr>
-          <p:cNvPr id="3" name="标题 2"/>
-          <p:cNvSpPr>
-            <a:spLocks noGrp="1"/>
-          </p:cNvSpPr>
-          <p:nvPr>
-            <p:ph type="title"/>
-          </p:nvPr>
-        </p:nvSpPr>
-        <p:spPr/>
-        <p:txBody>
-          <a:bodyPr/>
-          <a:lstStyle/>
-          <a:p>
-            <a:r>
-              <a:rPr kumimoji="1" lang="zh-CN" altLang="en-US" dirty="0"/>
-              <a:t>后续规划</a:t>
-            </a:r>
-            <a:endParaRPr kumimoji="1" lang="zh-CN" altLang="en-US" dirty="0"/>
-          </a:p>
-        </p:txBody>
-      </p:sp>
-    </p:spTree>
-  </p:cSld>
-  <p:clrMapOvr>
-    <a:masterClrMapping/>
-  </p:clrMapOvr>
-</p:sld>
-</file>
-
-<file path=ppt/slides/slide14.xml><?xml version="1.0" encoding="utf-8"?>
-<p:sld xmlns:a="http://schemas.openxmlformats.org/drawingml/2006/main" xmlns:r="http://schemas.openxmlformats.org/officeDocument/2006/relationships" xmlns:p="http://schemas.openxmlformats.org/presentationml/2006/main">
-  <p:cSld>
-    <p:spTree>
-      <p:nvGrpSpPr>
-        <p:cNvPr id="1" name=""/>
-        <p:cNvGrpSpPr/>
-        <p:nvPr/>
-      </p:nvGrpSpPr>
-      <p:grpSpPr>
-        <a:xfrm>
-          <a:off x="0" y="0"/>
-          <a:ext cx="0" cy="0"/>
-          <a:chOff x="0" y="0"/>
-          <a:chExt cx="0" cy="0"/>
-        </a:xfrm>
-      </p:grpSpPr>
-      <p:sp>
-        <p:nvSpPr>
           <p:cNvPr id="4" name="标题 3"/>
           <p:cNvSpPr>
             <a:spLocks noGrp="1"/>
@@ -5556,7 +5410,7 @@
             </a:r>
             <a:r>
               <a:rPr kumimoji="1" lang="zh-CN" altLang="en-US" dirty="0"/>
-              <a:t>的最主要功能</a:t>
+              <a:t>的主要功能</a:t>
             </a:r>
             <a:endParaRPr kumimoji="1" lang="zh-CN" altLang="en-US" dirty="0"/>
           </a:p>
@@ -5840,6 +5694,33 @@
             <a:endParaRPr kumimoji="1" lang="en-US" altLang="zh-CN" dirty="0"/>
           </a:p>
           <a:p>
+            <a:pPr>
+              <a:buFont typeface="Arial" panose="02080604020202020204" pitchFamily="34" charset="0"/>
+              <a:buChar char="•"/>
+            </a:pPr>
+            <a:r>
+              <a:rPr kumimoji="1" lang="zh-CN" altLang="en-US" dirty="0"/>
+              <a:t>已完成</a:t>
+            </a:r>
+            <a:r>
+              <a:rPr kumimoji="1" lang="en-US" altLang="zh-CN" dirty="0"/>
+              <a:t>7k</a:t>
+            </a:r>
+            <a:r>
+              <a:rPr kumimoji="1" lang="zh-CN" altLang="en-US" dirty="0"/>
+              <a:t>行代码的编写，仍需完成</a:t>
+            </a:r>
+            <a:r>
+              <a:rPr kumimoji="1" lang="en-US" altLang="zh-CN" dirty="0"/>
+              <a:t>2k</a:t>
+            </a:r>
+            <a:r>
+              <a:rPr kumimoji="1" lang="zh-CN" altLang="en-US" dirty="0"/>
+              <a:t>代码编写</a:t>
+            </a:r>
+            <a:endParaRPr kumimoji="1" lang="en-US" altLang="zh-CN" dirty="0"/>
+          </a:p>
+          <a:p>
             <a:pPr marL="0" indent="0">
               <a:buFont typeface="Arial" panose="02080604020202020204" pitchFamily="34" charset="0"/>
               <a:buNone/>
@@ -5955,7 +5836,7 @@
             </a:pPr>
             <a:r>
               <a:rPr lang="zh-CN" altLang="en-US"/>
-              <a:t>主要采用时间片轮转算法，当前域的线程时间片用尽后会调到下一个域选择优先级最高的线程继续执行。</a:t>
+              <a:t>主要采用时间片轮转算法，当前域的线程时间片用尽后会进入下一个域选择优先级最高的线程继续执行。</a:t>
             </a:r>
             <a:endParaRPr lang="zh-CN" altLang="en-US"/>
           </a:p>
@@ -6063,7 +5944,7 @@
             </a:r>
             <a:r>
               <a:rPr lang="en-US" altLang="zh-CN" sz="1600"/>
-              <a:t>send recv NbSend</a:t>
+              <a:t>send recv </a:t>
             </a:r>
             <a:r>
               <a:rPr lang="zh-CN" altLang="en-US" sz="1600"/>
@@ -6222,7 +6103,7 @@
             </a:r>
             <a:r>
               <a:rPr lang="zh-CN" altLang="en-US"/>
-              <a:t>特定属性的接口</a:t>
+              <a:t>特定信息的函数</a:t>
             </a:r>
             <a:endParaRPr lang="zh-CN" altLang="en-US"/>
           </a:p>
@@ -6233,7 +6114,7 @@
             </a:pPr>
             <a:r>
               <a:rPr lang="zh-CN" altLang="en-US"/>
-              <a:t>管理派生关系，维护双向链表的函数</a:t>
+              <a:t>维护双向链表的函数</a:t>
             </a:r>
             <a:endParaRPr lang="en-US" altLang="zh-CN"/>
           </a:p>
@@ -6248,7 +6129,7 @@
             </a:r>
             <a:r>
               <a:rPr lang="en-US" altLang="zh-CN"/>
-              <a:t>CSpace</a:t>
+              <a:t>CNode</a:t>
             </a:r>
             <a:r>
               <a:rPr lang="zh-CN" altLang="en-US"/>
@@ -6434,12 +6315,8 @@
               <a:buChar char="•"/>
             </a:pPr>
             <a:r>
-              <a:rPr kumimoji="1" lang="en-US" altLang="zh-CN" dirty="0"/>
-              <a:t>map</a:t>
-            </a:r>
-            <a:r>
               <a:rPr kumimoji="1" lang="zh-CN" altLang="en-US" dirty="0"/>
-              <a:t>一个虚拟地址的同时会向用户程序</a:t>
+              <a:t>虚拟地址分配物理页帧时会向用户程序</a:t>
             </a:r>
             <a:r>
               <a:rPr kumimoji="1" lang="en-US" altLang="zh-CN" dirty="0"/>
@@ -6616,7 +6493,7 @@
         </p:nvSpPr>
         <p:spPr>
           <a:xfrm>
-            <a:off x="833120" y="2180590"/>
+            <a:off x="835025" y="1608455"/>
             <a:ext cx="5115560" cy="3678555"/>
           </a:xfrm>
         </p:spPr>
@@ -6750,18 +6627,36 @@
           </a:prstGeom>
         </p:spPr>
       </p:pic>
+      <p:pic>
+        <p:nvPicPr>
+          <p:cNvPr id="5" name="Picture 4"/>
+          <p:cNvPicPr>
+            <a:picLocks noChangeAspect="1"/>
+          </p:cNvPicPr>
+          <p:nvPr/>
+        </p:nvPicPr>
+        <p:blipFill>
+          <a:blip r:embed="rId2"/>
+          <a:stretch>
+            <a:fillRect/>
+          </a:stretch>
+        </p:blipFill>
+        <p:spPr>
+          <a:xfrm>
+            <a:off x="490855" y="4562475"/>
+            <a:ext cx="5459730" cy="2110740"/>
+          </a:xfrm>
+          <a:prstGeom prst="rect">
+            <a:avLst/>
+          </a:prstGeom>
+        </p:spPr>
+      </p:pic>
     </p:spTree>
   </p:cSld>
   <p:clrMapOvr>
     <a:masterClrMapping/>
   </p:clrMapOvr>
 </p:sld>
-</file>
-
-<file path=ppt/tags/tag1.xml><?xml version="1.0" encoding="utf-8"?>
-<p:tagLst xmlns:p="http://schemas.openxmlformats.org/presentationml/2006/main">
-  <p:tag name="KSO_WM_UNIT_PLACING_PICTURE_USER_VIEWPORT" val="{&quot;height&quot;:4820,&quot;width&quot;:9540}"/>
-</p:tagLst>
 </file>
 
 <file path=ppt/theme/theme1.xml><?xml version="1.0" encoding="utf-8"?>
